--- a/module 5/Module-05-Slides.pptx
+++ b/module 5/Module-05-Slides.pptx
@@ -4,37 +4,40 @@
   <p:sldMasterIdLst>
     <p:sldMasterId id="2147483648" r:id="rId1"/>
   </p:sldMasterIdLst>
+  <p:notesMasterIdLst>
+    <p:notesMasterId r:id="rId30"/>
+  </p:notesMasterIdLst>
   <p:sldIdLst>
-    <p:sldId id="256" r:id="rId7"/>
-    <p:sldId id="257" r:id="rId9"/>
-    <p:sldId id="258" r:id="rId10"/>
-    <p:sldId id="259" r:id="rId11"/>
-    <p:sldId id="260" r:id="rId12"/>
-    <p:sldId id="261" r:id="rId13"/>
-    <p:sldId id="262" r:id="rId14"/>
-    <p:sldId id="263" r:id="rId15"/>
-    <p:sldId id="264" r:id="rId16"/>
-    <p:sldId id="265" r:id="rId17"/>
-    <p:sldId id="266" r:id="rId18"/>
-    <p:sldId id="267" r:id="rId19"/>
-    <p:sldId id="268" r:id="rId20"/>
-    <p:sldId id="269" r:id="rId21"/>
-    <p:sldId id="270" r:id="rId22"/>
-    <p:sldId id="271" r:id="rId23"/>
-    <p:sldId id="272" r:id="rId24"/>
-    <p:sldId id="273" r:id="rId25"/>
-    <p:sldId id="274" r:id="rId26"/>
-    <p:sldId id="275" r:id="rId27"/>
-    <p:sldId id="276" r:id="rId28"/>
-    <p:sldId id="277" r:id="rId29"/>
-    <p:sldId id="278" r:id="rId30"/>
-    <p:sldId id="279" r:id="rId31"/>
-    <p:sldId id="280" r:id="rId32"/>
-    <p:sldId id="281" r:id="rId33"/>
-    <p:sldId id="282" r:id="rId34"/>
-    <p:sldId id="283" r:id="rId35"/>
+    <p:sldId id="256" r:id="rId2"/>
+    <p:sldId id="257" r:id="rId3"/>
+    <p:sldId id="258" r:id="rId4"/>
+    <p:sldId id="259" r:id="rId5"/>
+    <p:sldId id="260" r:id="rId6"/>
+    <p:sldId id="261" r:id="rId7"/>
+    <p:sldId id="262" r:id="rId8"/>
+    <p:sldId id="263" r:id="rId9"/>
+    <p:sldId id="264" r:id="rId10"/>
+    <p:sldId id="265" r:id="rId11"/>
+    <p:sldId id="266" r:id="rId12"/>
+    <p:sldId id="267" r:id="rId13"/>
+    <p:sldId id="268" r:id="rId14"/>
+    <p:sldId id="269" r:id="rId15"/>
+    <p:sldId id="270" r:id="rId16"/>
+    <p:sldId id="271" r:id="rId17"/>
+    <p:sldId id="272" r:id="rId18"/>
+    <p:sldId id="273" r:id="rId19"/>
+    <p:sldId id="274" r:id="rId20"/>
+    <p:sldId id="275" r:id="rId21"/>
+    <p:sldId id="276" r:id="rId22"/>
+    <p:sldId id="277" r:id="rId23"/>
+    <p:sldId id="278" r:id="rId24"/>
+    <p:sldId id="279" r:id="rId25"/>
+    <p:sldId id="280" r:id="rId26"/>
+    <p:sldId id="281" r:id="rId27"/>
+    <p:sldId id="282" r:id="rId28"/>
+    <p:sldId id="283" r:id="rId29"/>
   </p:sldIdLst>
-  <p:sldSz cx="12191695" cy="6858000" type="screen4x3"/>
+  <p:sldSz cx="12192000" cy="6858000"/>
   <p:notesSz cx="6858000" cy="9144000"/>
   <p:defaultTextStyle>
     <a:defPPr>
@@ -131,11 +134,27 @@
       </a:defRPr>
     </a:lvl9pPr>
   </p:defaultTextStyle>
+  <p:extLst>
+    <p:ext uri="{EFAFB233-063F-42B5-8137-9DF3F51BA10A}">
+      <p15:sldGuideLst xmlns:p15="http://schemas.microsoft.com/office/powerpoint/2012/main">
+        <p15:guide id="1" orient="horz" pos="2160">
+          <p15:clr>
+            <a:srgbClr val="A4A3A4"/>
+          </p15:clr>
+        </p15:guide>
+        <p15:guide id="2" pos="2880">
+          <p15:clr>
+            <a:srgbClr val="A4A3A4"/>
+          </p15:clr>
+        </p15:guide>
+      </p15:sldGuideLst>
+    </p:ext>
+  </p:extLst>
 </p:presentation>
 </file>
 
 <file path=ppt/notesMasters/notesMaster1.xml><?xml version="1.0" encoding="utf-8"?>
-<p:notesMaster xmlns:a="http://schemas.openxmlformats.org/drawingml/2006/main" xmlns:p="http://schemas.openxmlformats.org/presentationml/2006/main" xmlns:r="http://schemas.openxmlformats.org/officeDocument/2006/relationships">
+<p:notesMaster xmlns:a="http://schemas.openxmlformats.org/drawingml/2006/main" xmlns:r="http://schemas.openxmlformats.org/officeDocument/2006/relationships" xmlns:p="http://schemas.openxmlformats.org/presentationml/2006/main">
   <p:cSld>
     <p:bg>
       <p:bgRef idx="1001">
@@ -156,241 +175,16 @@
           <a:chExt cx="0" cy="0"/>
         </a:xfrm>
       </p:grpSpPr>
-      <p:sp>
-        <p:nvSpPr>
-          <p:cNvPr id="2" name="Header Placeholder 1"/>
-          <p:cNvSpPr>
-            <a:spLocks noGrp="1"/>
-          </p:cNvSpPr>
-          <p:nvPr>
-            <p:ph type="hdr" sz="quarter"/>
-          </p:nvPr>
-        </p:nvSpPr>
-        <p:spPr>
-          <a:xfrm>
-            <a:off x="0" y="0"/>
-            <a:ext cx="2971800" cy="457200"/>
-          </a:xfrm>
-          <a:prstGeom prst="rect">
-            <a:avLst/>
-          </a:prstGeom>
-        </p:spPr>
-        <p:txBody>
-          <a:bodyPr vert="horz" lIns="91440" tIns="45720" rIns="91440" bIns="45720" rtlCol="0"/>
-          <a:lstStyle>
-            <a:lvl1pPr algn="l">
-              <a:defRPr sz="1200"/>
-            </a:lvl1pPr>
-          </a:lstStyle>
-          <a:p>
-            <a:endParaRPr lang="en-US"/>
-          </a:p>
-        </p:txBody>
-      </p:sp>
-      <p:sp>
-        <p:nvSpPr>
-          <p:cNvPr id="3" name="Date Placeholder 2"/>
-          <p:cNvSpPr>
-            <a:spLocks noGrp="1"/>
-          </p:cNvSpPr>
-          <p:nvPr>
-            <p:ph type="dt" idx="1"/>
-          </p:nvPr>
-        </p:nvSpPr>
-        <p:spPr>
-          <a:xfrm>
-            <a:off x="3884613" y="0"/>
-            <a:ext cx="2971800" cy="457200"/>
-          </a:xfrm>
-          <a:prstGeom prst="rect">
-            <a:avLst/>
-          </a:prstGeom>
-        </p:spPr>
-        <p:txBody>
-          <a:bodyPr vert="horz" lIns="91440" tIns="45720" rIns="91440" bIns="45720" rtlCol="0"/>
-          <a:lstStyle>
-            <a:lvl1pPr algn="r">
-              <a:defRPr sz="1200"/>
-            </a:lvl1pPr>
-          </a:lstStyle>
-          <a:p>
-            <a:fld id="{0F89C1C7-3DCD-1040-A9CF-14679D8B5DDD}" type="datetimeFigureOut">
-              <a:rPr lang="en-US" smtClean="0"/>
-              <a:t>10/17/16</a:t>
-            </a:fld>
-            <a:endParaRPr lang="en-US"/>
-          </a:p>
-        </p:txBody>
-      </p:sp>
-      <p:sp>
-        <p:nvSpPr>
-          <p:cNvPr id="4" name="Slide Image Placeholder 3"/>
-          <p:cNvSpPr>
-            <a:spLocks noGrp="1" noRot="1" noChangeAspect="1"/>
-          </p:cNvSpPr>
-          <p:nvPr>
-            <p:ph type="sldImg" idx="2"/>
-          </p:nvPr>
-        </p:nvSpPr>
-        <p:spPr>
-          <a:xfrm>
-            <a:off x="1143000" y="685800"/>
-            <a:ext cx="4572000" cy="3429000"/>
-          </a:xfrm>
-          <a:prstGeom prst="rect">
-            <a:avLst/>
-          </a:prstGeom>
-          <a:noFill/>
-          <a:ln w="12700">
-            <a:solidFill>
-              <a:prstClr val="black"/>
-            </a:solidFill>
-          </a:ln>
-        </p:spPr>
-        <p:txBody>
-          <a:bodyPr vert="horz" lIns="91440" tIns="45720" rIns="91440" bIns="45720" rtlCol="0" anchor="ctr"/>
-          <a:lstStyle/>
-          <a:p>
-            <a:endParaRPr lang="en-US"/>
-          </a:p>
-        </p:txBody>
-      </p:sp>
-      <p:sp>
-        <p:nvSpPr>
-          <p:cNvPr id="5" name="Notes Placeholder 4"/>
-          <p:cNvSpPr>
-            <a:spLocks noGrp="1"/>
-          </p:cNvSpPr>
-          <p:nvPr>
-            <p:ph type="body" sz="quarter" idx="3"/>
-          </p:nvPr>
-        </p:nvSpPr>
-        <p:spPr>
-          <a:xfrm>
-            <a:off x="685800" y="4343400"/>
-            <a:ext cx="5486400" cy="4114800"/>
-          </a:xfrm>
-          <a:prstGeom prst="rect">
-            <a:avLst/>
-          </a:prstGeom>
-        </p:spPr>
-        <p:txBody>
-          <a:bodyPr vert="horz" lIns="91440" tIns="45720" rIns="91440" bIns="45720" rtlCol="0"/>
-          <a:lstStyle/>
-          <a:p>
-            <a:pPr lvl="0"/>
-            <a:r>
-              <a:rPr lang="en-US" smtClean="0"/>
-              <a:t>Click to edit Master text styles</a:t>
-            </a:r>
-          </a:p>
-          <a:p>
-            <a:pPr lvl="1"/>
-            <a:r>
-              <a:rPr lang="en-US" smtClean="0"/>
-              <a:t>Second level</a:t>
-            </a:r>
-          </a:p>
-          <a:p>
-            <a:pPr lvl="2"/>
-            <a:r>
-              <a:rPr lang="en-US" smtClean="0"/>
-              <a:t>Third level</a:t>
-            </a:r>
-          </a:p>
-          <a:p>
-            <a:pPr lvl="3"/>
-            <a:r>
-              <a:rPr lang="en-US" smtClean="0"/>
-              <a:t>Fourth level</a:t>
-            </a:r>
-          </a:p>
-          <a:p>
-            <a:pPr lvl="4"/>
-            <a:r>
-              <a:rPr lang="en-US" smtClean="0"/>
-              <a:t>Fifth level</a:t>
-            </a:r>
-            <a:endParaRPr lang="en-US"/>
-          </a:p>
-        </p:txBody>
-      </p:sp>
-      <p:sp>
-        <p:nvSpPr>
-          <p:cNvPr id="6" name="Footer Placeholder 5"/>
-          <p:cNvSpPr>
-            <a:spLocks noGrp="1"/>
-          </p:cNvSpPr>
-          <p:nvPr>
-            <p:ph type="ftr" sz="quarter" idx="4"/>
-          </p:nvPr>
-        </p:nvSpPr>
-        <p:spPr>
-          <a:xfrm>
-            <a:off x="0" y="8685213"/>
-            <a:ext cx="2971800" cy="457200"/>
-          </a:xfrm>
-          <a:prstGeom prst="rect">
-            <a:avLst/>
-          </a:prstGeom>
-        </p:spPr>
-        <p:txBody>
-          <a:bodyPr vert="horz" lIns="91440" tIns="45720" rIns="91440" bIns="45720" rtlCol="0" anchor="b"/>
-          <a:lstStyle>
-            <a:lvl1pPr algn="l">
-              <a:defRPr sz="1200"/>
-            </a:lvl1pPr>
-          </a:lstStyle>
-          <a:p>
-            <a:endParaRPr lang="en-US"/>
-          </a:p>
-        </p:txBody>
-      </p:sp>
-      <p:sp>
-        <p:nvSpPr>
-          <p:cNvPr id="7" name="Slide Number Placeholder 6"/>
-          <p:cNvSpPr>
-            <a:spLocks noGrp="1"/>
-          </p:cNvSpPr>
-          <p:nvPr>
-            <p:ph type="sldNum" sz="quarter" idx="5"/>
-          </p:nvPr>
-        </p:nvSpPr>
-        <p:spPr>
-          <a:xfrm>
-            <a:off x="3884613" y="8685213"/>
-            <a:ext cx="2971800" cy="457200"/>
-          </a:xfrm>
-          <a:prstGeom prst="rect">
-            <a:avLst/>
-          </a:prstGeom>
-        </p:spPr>
-        <p:txBody>
-          <a:bodyPr vert="horz" lIns="91440" tIns="45720" rIns="91440" bIns="45720" rtlCol="0" anchor="b"/>
-          <a:lstStyle>
-            <a:lvl1pPr algn="r">
-              <a:defRPr sz="1200"/>
-            </a:lvl1pPr>
-          </a:lstStyle>
-          <a:p>
-            <a:fld id="{BB5E49A5-4136-284D-997B-48E1D791AD67}" type="slidenum">
-              <a:rPr lang="en-US" smtClean="0"/>
-              <a:t>‹#›</a:t>
-            </a:fld>
-            <a:endParaRPr lang="en-US"/>
-          </a:p>
-        </p:txBody>
-      </p:sp>
     </p:spTree>
     <p:extLst>
       <p:ext uri="{BB962C8B-B14F-4D97-AF65-F5344CB8AC3E}">
-        <p14:creationId xmlns:p14="http://schemas.microsoft.com/office/powerpoint/2010/main" val="2623252185"/>
+        <p14:creationId xmlns:p14="http://schemas.microsoft.com/office/powerpoint/2010/main" val="3382487826"/>
       </p:ext>
     </p:extLst>
   </p:cSld>
   <p:clrMap bg1="lt1" tx1="dk1" bg2="lt2" tx2="dk2" accent1="accent1" accent2="accent2" accent3="accent3" accent4="accent4" accent5="accent5" accent6="accent6" hlink="hlink" folHlink="folHlink"/>
   <p:notesStyle>
-    <a:lvl1pPr marL="0" algn="l" defTabSz="457200" rtl="0" eaLnBrk="1" latinLnBrk="0" hangingPunct="1">
+    <a:lvl1pPr marL="0" algn="l" defTabSz="914400" rtl="0" eaLnBrk="1" latinLnBrk="0" hangingPunct="1">
       <a:defRPr sz="1200" kern="1200">
         <a:solidFill>
           <a:schemeClr val="tx1"/>
@@ -400,7 +194,7 @@
         <a:cs typeface="+mn-cs"/>
       </a:defRPr>
     </a:lvl1pPr>
-    <a:lvl2pPr marL="457200" algn="l" defTabSz="457200" rtl="0" eaLnBrk="1" latinLnBrk="0" hangingPunct="1">
+    <a:lvl2pPr marL="457200" algn="l" defTabSz="914400" rtl="0" eaLnBrk="1" latinLnBrk="0" hangingPunct="1">
       <a:defRPr sz="1200" kern="1200">
         <a:solidFill>
           <a:schemeClr val="tx1"/>
@@ -410,7 +204,7 @@
         <a:cs typeface="+mn-cs"/>
       </a:defRPr>
     </a:lvl2pPr>
-    <a:lvl3pPr marL="914400" algn="l" defTabSz="457200" rtl="0" eaLnBrk="1" latinLnBrk="0" hangingPunct="1">
+    <a:lvl3pPr marL="914400" algn="l" defTabSz="914400" rtl="0" eaLnBrk="1" latinLnBrk="0" hangingPunct="1">
       <a:defRPr sz="1200" kern="1200">
         <a:solidFill>
           <a:schemeClr val="tx1"/>
@@ -420,7 +214,7 @@
         <a:cs typeface="+mn-cs"/>
       </a:defRPr>
     </a:lvl3pPr>
-    <a:lvl4pPr marL="1371600" algn="l" defTabSz="457200" rtl="0" eaLnBrk="1" latinLnBrk="0" hangingPunct="1">
+    <a:lvl4pPr marL="1371600" algn="l" defTabSz="914400" rtl="0" eaLnBrk="1" latinLnBrk="0" hangingPunct="1">
       <a:defRPr sz="1200" kern="1200">
         <a:solidFill>
           <a:schemeClr val="tx1"/>
@@ -430,7 +224,7 @@
         <a:cs typeface="+mn-cs"/>
       </a:defRPr>
     </a:lvl4pPr>
-    <a:lvl5pPr marL="1828800" algn="l" defTabSz="457200" rtl="0" eaLnBrk="1" latinLnBrk="0" hangingPunct="1">
+    <a:lvl5pPr marL="1828800" algn="l" defTabSz="914400" rtl="0" eaLnBrk="1" latinLnBrk="0" hangingPunct="1">
       <a:defRPr sz="1200" kern="1200">
         <a:solidFill>
           <a:schemeClr val="tx1"/>
@@ -440,7 +234,7 @@
         <a:cs typeface="+mn-cs"/>
       </a:defRPr>
     </a:lvl5pPr>
-    <a:lvl6pPr marL="2286000" algn="l" defTabSz="457200" rtl="0" eaLnBrk="1" latinLnBrk="0" hangingPunct="1">
+    <a:lvl6pPr marL="2286000" algn="l" defTabSz="914400" rtl="0" eaLnBrk="1" latinLnBrk="0" hangingPunct="1">
       <a:defRPr sz="1200" kern="1200">
         <a:solidFill>
           <a:schemeClr val="tx1"/>
@@ -450,7 +244,7 @@
         <a:cs typeface="+mn-cs"/>
       </a:defRPr>
     </a:lvl6pPr>
-    <a:lvl7pPr marL="2743200" algn="l" defTabSz="457200" rtl="0" eaLnBrk="1" latinLnBrk="0" hangingPunct="1">
+    <a:lvl7pPr marL="2743200" algn="l" defTabSz="914400" rtl="0" eaLnBrk="1" latinLnBrk="0" hangingPunct="1">
       <a:defRPr sz="1200" kern="1200">
         <a:solidFill>
           <a:schemeClr val="tx1"/>
@@ -460,7 +254,7 @@
         <a:cs typeface="+mn-cs"/>
       </a:defRPr>
     </a:lvl7pPr>
-    <a:lvl8pPr marL="3200400" algn="l" defTabSz="457200" rtl="0" eaLnBrk="1" latinLnBrk="0" hangingPunct="1">
+    <a:lvl8pPr marL="3200400" algn="l" defTabSz="914400" rtl="0" eaLnBrk="1" latinLnBrk="0" hangingPunct="1">
       <a:defRPr sz="1200" kern="1200">
         <a:solidFill>
           <a:schemeClr val="tx1"/>
@@ -470,7 +264,7 @@
         <a:cs typeface="+mn-cs"/>
       </a:defRPr>
     </a:lvl8pPr>
-    <a:lvl9pPr marL="3657600" algn="l" defTabSz="457200" rtl="0" eaLnBrk="1" latinLnBrk="0" hangingPunct="1">
+    <a:lvl9pPr marL="3657600" algn="l" defTabSz="914400" rtl="0" eaLnBrk="1" latinLnBrk="0" hangingPunct="1">
       <a:defRPr sz="1200" kern="1200">
         <a:solidFill>
           <a:schemeClr val="tx1"/>
@@ -485,7 +279,7 @@
 </file>
 
 <file path=ppt/notesSlides/notesSlide1.xml><?xml version="1.0" encoding="utf-8"?>
-<p:notes xmlns:a="http://schemas.openxmlformats.org/drawingml/2006/main" xmlns:p="http://schemas.openxmlformats.org/presentationml/2006/main" xmlns:r="http://schemas.openxmlformats.org/officeDocument/2006/relationships">
+<p:notes xmlns:a="http://schemas.openxmlformats.org/drawingml/2006/main" xmlns:r="http://schemas.openxmlformats.org/officeDocument/2006/relationships" xmlns:p="http://schemas.openxmlformats.org/presentationml/2006/main">
   <p:cSld>
     <p:spTree>
       <p:nvGrpSpPr>
@@ -505,7 +299,7 @@
         <p:nvSpPr>
           <p:cNvPr id="2" name="Slide Image Placeholder 1"/>
           <p:cNvSpPr>
-            <a:spLocks noGrp="1"/>
+            <a:spLocks noGrp="1" noRot="1" noChangeAspect="1"/>
           </p:cNvSpPr>
           <p:nvPr>
             <p:ph type="sldImg" idx="2"/>
@@ -520,7 +314,7 @@
             <a:spLocks noGrp="1"/>
           </p:cNvSpPr>
           <p:nvPr>
-            <p:ph type="body" idx="3" sz="quarter"/>
+            <p:ph type="body" sz="quarter" idx="3"/>
           </p:nvPr>
         </p:nvSpPr>
         <p:spPr/>
@@ -541,7 +335,7 @@
             <a:spLocks noGrp="1"/>
           </p:cNvSpPr>
           <p:nvPr>
-            <p:ph type="sldNum" idx="5" sz="quarter"/>
+            <p:ph type="sldNum" sz="quarter" idx="5"/>
           </p:nvPr>
         </p:nvSpPr>
         <p:spPr/>
@@ -555,7 +349,7 @@
 </file>
 
 <file path=ppt/notesSlides/notesSlide10.xml><?xml version="1.0" encoding="utf-8"?>
-<p:notes xmlns:a="http://schemas.openxmlformats.org/drawingml/2006/main" xmlns:p="http://schemas.openxmlformats.org/presentationml/2006/main" xmlns:r="http://schemas.openxmlformats.org/officeDocument/2006/relationships">
+<p:notes xmlns:a="http://schemas.openxmlformats.org/drawingml/2006/main" xmlns:r="http://schemas.openxmlformats.org/officeDocument/2006/relationships" xmlns:p="http://schemas.openxmlformats.org/presentationml/2006/main">
   <p:cSld>
     <p:spTree>
       <p:nvGrpSpPr>
@@ -575,7 +369,7 @@
         <p:nvSpPr>
           <p:cNvPr id="2" name="Slide Image Placeholder 1"/>
           <p:cNvSpPr>
-            <a:spLocks noGrp="1"/>
+            <a:spLocks noGrp="1" noRot="1" noChangeAspect="1"/>
           </p:cNvSpPr>
           <p:nvPr>
             <p:ph type="sldImg" idx="2"/>
@@ -590,7 +384,7 @@
             <a:spLocks noGrp="1"/>
           </p:cNvSpPr>
           <p:nvPr>
-            <p:ph type="body" idx="3" sz="quarter"/>
+            <p:ph type="body" sz="quarter" idx="3"/>
           </p:nvPr>
         </p:nvSpPr>
         <p:spPr/>
@@ -611,7 +405,7 @@
             <a:spLocks noGrp="1"/>
           </p:cNvSpPr>
           <p:nvPr>
-            <p:ph type="sldNum" idx="5" sz="quarter"/>
+            <p:ph type="sldNum" sz="quarter" idx="5"/>
           </p:nvPr>
         </p:nvSpPr>
         <p:spPr/>
@@ -625,7 +419,7 @@
 </file>
 
 <file path=ppt/notesSlides/notesSlide11.xml><?xml version="1.0" encoding="utf-8"?>
-<p:notes xmlns:a="http://schemas.openxmlformats.org/drawingml/2006/main" xmlns:p="http://schemas.openxmlformats.org/presentationml/2006/main" xmlns:r="http://schemas.openxmlformats.org/officeDocument/2006/relationships">
+<p:notes xmlns:a="http://schemas.openxmlformats.org/drawingml/2006/main" xmlns:r="http://schemas.openxmlformats.org/officeDocument/2006/relationships" xmlns:p="http://schemas.openxmlformats.org/presentationml/2006/main">
   <p:cSld>
     <p:spTree>
       <p:nvGrpSpPr>
@@ -645,7 +439,7 @@
         <p:nvSpPr>
           <p:cNvPr id="2" name="Slide Image Placeholder 1"/>
           <p:cNvSpPr>
-            <a:spLocks noGrp="1"/>
+            <a:spLocks noGrp="1" noRot="1" noChangeAspect="1"/>
           </p:cNvSpPr>
           <p:nvPr>
             <p:ph type="sldImg" idx="2"/>
@@ -660,7 +454,7 @@
             <a:spLocks noGrp="1"/>
           </p:cNvSpPr>
           <p:nvPr>
-            <p:ph type="body" idx="3" sz="quarter"/>
+            <p:ph type="body" sz="quarter" idx="3"/>
           </p:nvPr>
         </p:nvSpPr>
         <p:spPr/>
@@ -681,7 +475,7 @@
             <a:spLocks noGrp="1"/>
           </p:cNvSpPr>
           <p:nvPr>
-            <p:ph type="sldNum" idx="5" sz="quarter"/>
+            <p:ph type="sldNum" sz="quarter" idx="5"/>
           </p:nvPr>
         </p:nvSpPr>
         <p:spPr/>
@@ -695,7 +489,7 @@
 </file>
 
 <file path=ppt/notesSlides/notesSlide12.xml><?xml version="1.0" encoding="utf-8"?>
-<p:notes xmlns:a="http://schemas.openxmlformats.org/drawingml/2006/main" xmlns:p="http://schemas.openxmlformats.org/presentationml/2006/main" xmlns:r="http://schemas.openxmlformats.org/officeDocument/2006/relationships">
+<p:notes xmlns:a="http://schemas.openxmlformats.org/drawingml/2006/main" xmlns:r="http://schemas.openxmlformats.org/officeDocument/2006/relationships" xmlns:p="http://schemas.openxmlformats.org/presentationml/2006/main">
   <p:cSld>
     <p:spTree>
       <p:nvGrpSpPr>
@@ -715,7 +509,7 @@
         <p:nvSpPr>
           <p:cNvPr id="2" name="Slide Image Placeholder 1"/>
           <p:cNvSpPr>
-            <a:spLocks noGrp="1"/>
+            <a:spLocks noGrp="1" noRot="1" noChangeAspect="1"/>
           </p:cNvSpPr>
           <p:nvPr>
             <p:ph type="sldImg" idx="2"/>
@@ -730,7 +524,7 @@
             <a:spLocks noGrp="1"/>
           </p:cNvSpPr>
           <p:nvPr>
-            <p:ph type="body" idx="3" sz="quarter"/>
+            <p:ph type="body" sz="quarter" idx="3"/>
           </p:nvPr>
         </p:nvSpPr>
         <p:spPr/>
@@ -751,7 +545,7 @@
             <a:spLocks noGrp="1"/>
           </p:cNvSpPr>
           <p:nvPr>
-            <p:ph type="sldNum" idx="5" sz="quarter"/>
+            <p:ph type="sldNum" sz="quarter" idx="5"/>
           </p:nvPr>
         </p:nvSpPr>
         <p:spPr/>
@@ -765,7 +559,7 @@
 </file>
 
 <file path=ppt/notesSlides/notesSlide13.xml><?xml version="1.0" encoding="utf-8"?>
-<p:notes xmlns:a="http://schemas.openxmlformats.org/drawingml/2006/main" xmlns:p="http://schemas.openxmlformats.org/presentationml/2006/main" xmlns:r="http://schemas.openxmlformats.org/officeDocument/2006/relationships">
+<p:notes xmlns:a="http://schemas.openxmlformats.org/drawingml/2006/main" xmlns:r="http://schemas.openxmlformats.org/officeDocument/2006/relationships" xmlns:p="http://schemas.openxmlformats.org/presentationml/2006/main">
   <p:cSld>
     <p:spTree>
       <p:nvGrpSpPr>
@@ -785,7 +579,7 @@
         <p:nvSpPr>
           <p:cNvPr id="2" name="Slide Image Placeholder 1"/>
           <p:cNvSpPr>
-            <a:spLocks noGrp="1"/>
+            <a:spLocks noGrp="1" noRot="1" noChangeAspect="1"/>
           </p:cNvSpPr>
           <p:nvPr>
             <p:ph type="sldImg" idx="2"/>
@@ -800,7 +594,7 @@
             <a:spLocks noGrp="1"/>
           </p:cNvSpPr>
           <p:nvPr>
-            <p:ph type="body" idx="3" sz="quarter"/>
+            <p:ph type="body" sz="quarter" idx="3"/>
           </p:nvPr>
         </p:nvSpPr>
         <p:spPr/>
@@ -821,7 +615,7 @@
             <a:spLocks noGrp="1"/>
           </p:cNvSpPr>
           <p:nvPr>
-            <p:ph type="sldNum" idx="5" sz="quarter"/>
+            <p:ph type="sldNum" sz="quarter" idx="5"/>
           </p:nvPr>
         </p:nvSpPr>
         <p:spPr/>
@@ -835,7 +629,7 @@
 </file>
 
 <file path=ppt/notesSlides/notesSlide14.xml><?xml version="1.0" encoding="utf-8"?>
-<p:notes xmlns:a="http://schemas.openxmlformats.org/drawingml/2006/main" xmlns:p="http://schemas.openxmlformats.org/presentationml/2006/main" xmlns:r="http://schemas.openxmlformats.org/officeDocument/2006/relationships">
+<p:notes xmlns:a="http://schemas.openxmlformats.org/drawingml/2006/main" xmlns:r="http://schemas.openxmlformats.org/officeDocument/2006/relationships" xmlns:p="http://schemas.openxmlformats.org/presentationml/2006/main">
   <p:cSld>
     <p:spTree>
       <p:nvGrpSpPr>
@@ -855,7 +649,7 @@
         <p:nvSpPr>
           <p:cNvPr id="2" name="Slide Image Placeholder 1"/>
           <p:cNvSpPr>
-            <a:spLocks noGrp="1"/>
+            <a:spLocks noGrp="1" noRot="1" noChangeAspect="1"/>
           </p:cNvSpPr>
           <p:nvPr>
             <p:ph type="sldImg" idx="2"/>
@@ -870,7 +664,7 @@
             <a:spLocks noGrp="1"/>
           </p:cNvSpPr>
           <p:nvPr>
-            <p:ph type="body" idx="3" sz="quarter"/>
+            <p:ph type="body" sz="quarter" idx="3"/>
           </p:nvPr>
         </p:nvSpPr>
         <p:spPr/>
@@ -891,7 +685,7 @@
             <a:spLocks noGrp="1"/>
           </p:cNvSpPr>
           <p:nvPr>
-            <p:ph type="sldNum" idx="5" sz="quarter"/>
+            <p:ph type="sldNum" sz="quarter" idx="5"/>
           </p:nvPr>
         </p:nvSpPr>
         <p:spPr/>
@@ -905,7 +699,7 @@
 </file>
 
 <file path=ppt/notesSlides/notesSlide15.xml><?xml version="1.0" encoding="utf-8"?>
-<p:notes xmlns:a="http://schemas.openxmlformats.org/drawingml/2006/main" xmlns:p="http://schemas.openxmlformats.org/presentationml/2006/main" xmlns:r="http://schemas.openxmlformats.org/officeDocument/2006/relationships">
+<p:notes xmlns:a="http://schemas.openxmlformats.org/drawingml/2006/main" xmlns:r="http://schemas.openxmlformats.org/officeDocument/2006/relationships" xmlns:p="http://schemas.openxmlformats.org/presentationml/2006/main">
   <p:cSld>
     <p:spTree>
       <p:nvGrpSpPr>
@@ -925,7 +719,7 @@
         <p:nvSpPr>
           <p:cNvPr id="2" name="Slide Image Placeholder 1"/>
           <p:cNvSpPr>
-            <a:spLocks noGrp="1"/>
+            <a:spLocks noGrp="1" noRot="1" noChangeAspect="1"/>
           </p:cNvSpPr>
           <p:nvPr>
             <p:ph type="sldImg" idx="2"/>
@@ -940,7 +734,7 @@
             <a:spLocks noGrp="1"/>
           </p:cNvSpPr>
           <p:nvPr>
-            <p:ph type="body" idx="3" sz="quarter"/>
+            <p:ph type="body" sz="quarter" idx="3"/>
           </p:nvPr>
         </p:nvSpPr>
         <p:spPr/>
@@ -961,7 +755,7 @@
             <a:spLocks noGrp="1"/>
           </p:cNvSpPr>
           <p:nvPr>
-            <p:ph type="sldNum" idx="5" sz="quarter"/>
+            <p:ph type="sldNum" sz="quarter" idx="5"/>
           </p:nvPr>
         </p:nvSpPr>
         <p:spPr/>
@@ -975,7 +769,7 @@
 </file>
 
 <file path=ppt/notesSlides/notesSlide16.xml><?xml version="1.0" encoding="utf-8"?>
-<p:notes xmlns:a="http://schemas.openxmlformats.org/drawingml/2006/main" xmlns:p="http://schemas.openxmlformats.org/presentationml/2006/main" xmlns:r="http://schemas.openxmlformats.org/officeDocument/2006/relationships">
+<p:notes xmlns:a="http://schemas.openxmlformats.org/drawingml/2006/main" xmlns:r="http://schemas.openxmlformats.org/officeDocument/2006/relationships" xmlns:p="http://schemas.openxmlformats.org/presentationml/2006/main">
   <p:cSld>
     <p:spTree>
       <p:nvGrpSpPr>
@@ -995,7 +789,7 @@
         <p:nvSpPr>
           <p:cNvPr id="2" name="Slide Image Placeholder 1"/>
           <p:cNvSpPr>
-            <a:spLocks noGrp="1"/>
+            <a:spLocks noGrp="1" noRot="1" noChangeAspect="1"/>
           </p:cNvSpPr>
           <p:nvPr>
             <p:ph type="sldImg" idx="2"/>
@@ -1010,7 +804,7 @@
             <a:spLocks noGrp="1"/>
           </p:cNvSpPr>
           <p:nvPr>
-            <p:ph type="body" idx="3" sz="quarter"/>
+            <p:ph type="body" sz="quarter" idx="3"/>
           </p:nvPr>
         </p:nvSpPr>
         <p:spPr/>
@@ -1031,7 +825,7 @@
             <a:spLocks noGrp="1"/>
           </p:cNvSpPr>
           <p:nvPr>
-            <p:ph type="sldNum" idx="5" sz="quarter"/>
+            <p:ph type="sldNum" sz="quarter" idx="5"/>
           </p:nvPr>
         </p:nvSpPr>
         <p:spPr/>
@@ -1045,7 +839,7 @@
 </file>
 
 <file path=ppt/notesSlides/notesSlide17.xml><?xml version="1.0" encoding="utf-8"?>
-<p:notes xmlns:a="http://schemas.openxmlformats.org/drawingml/2006/main" xmlns:p="http://schemas.openxmlformats.org/presentationml/2006/main" xmlns:r="http://schemas.openxmlformats.org/officeDocument/2006/relationships">
+<p:notes xmlns:a="http://schemas.openxmlformats.org/drawingml/2006/main" xmlns:r="http://schemas.openxmlformats.org/officeDocument/2006/relationships" xmlns:p="http://schemas.openxmlformats.org/presentationml/2006/main">
   <p:cSld>
     <p:spTree>
       <p:nvGrpSpPr>
@@ -1065,7 +859,7 @@
         <p:nvSpPr>
           <p:cNvPr id="2" name="Slide Image Placeholder 1"/>
           <p:cNvSpPr>
-            <a:spLocks noGrp="1"/>
+            <a:spLocks noGrp="1" noRot="1" noChangeAspect="1"/>
           </p:cNvSpPr>
           <p:nvPr>
             <p:ph type="sldImg" idx="2"/>
@@ -1080,7 +874,7 @@
             <a:spLocks noGrp="1"/>
           </p:cNvSpPr>
           <p:nvPr>
-            <p:ph type="body" idx="3" sz="quarter"/>
+            <p:ph type="body" sz="quarter" idx="3"/>
           </p:nvPr>
         </p:nvSpPr>
         <p:spPr/>
@@ -1101,7 +895,7 @@
             <a:spLocks noGrp="1"/>
           </p:cNvSpPr>
           <p:nvPr>
-            <p:ph type="sldNum" idx="5" sz="quarter"/>
+            <p:ph type="sldNum" sz="quarter" idx="5"/>
           </p:nvPr>
         </p:nvSpPr>
         <p:spPr/>
@@ -1115,7 +909,7 @@
 </file>
 
 <file path=ppt/notesSlides/notesSlide18.xml><?xml version="1.0" encoding="utf-8"?>
-<p:notes xmlns:a="http://schemas.openxmlformats.org/drawingml/2006/main" xmlns:p="http://schemas.openxmlformats.org/presentationml/2006/main" xmlns:r="http://schemas.openxmlformats.org/officeDocument/2006/relationships">
+<p:notes xmlns:a="http://schemas.openxmlformats.org/drawingml/2006/main" xmlns:r="http://schemas.openxmlformats.org/officeDocument/2006/relationships" xmlns:p="http://schemas.openxmlformats.org/presentationml/2006/main">
   <p:cSld>
     <p:spTree>
       <p:nvGrpSpPr>
@@ -1135,7 +929,7 @@
         <p:nvSpPr>
           <p:cNvPr id="2" name="Slide Image Placeholder 1"/>
           <p:cNvSpPr>
-            <a:spLocks noGrp="1"/>
+            <a:spLocks noGrp="1" noRot="1" noChangeAspect="1"/>
           </p:cNvSpPr>
           <p:nvPr>
             <p:ph type="sldImg" idx="2"/>
@@ -1150,7 +944,7 @@
             <a:spLocks noGrp="1"/>
           </p:cNvSpPr>
           <p:nvPr>
-            <p:ph type="body" idx="3" sz="quarter"/>
+            <p:ph type="body" sz="quarter" idx="3"/>
           </p:nvPr>
         </p:nvSpPr>
         <p:spPr/>
@@ -1171,7 +965,7 @@
             <a:spLocks noGrp="1"/>
           </p:cNvSpPr>
           <p:nvPr>
-            <p:ph type="sldNum" idx="5" sz="quarter"/>
+            <p:ph type="sldNum" sz="quarter" idx="5"/>
           </p:nvPr>
         </p:nvSpPr>
         <p:spPr/>
@@ -1185,7 +979,7 @@
 </file>
 
 <file path=ppt/notesSlides/notesSlide19.xml><?xml version="1.0" encoding="utf-8"?>
-<p:notes xmlns:a="http://schemas.openxmlformats.org/drawingml/2006/main" xmlns:p="http://schemas.openxmlformats.org/presentationml/2006/main" xmlns:r="http://schemas.openxmlformats.org/officeDocument/2006/relationships">
+<p:notes xmlns:a="http://schemas.openxmlformats.org/drawingml/2006/main" xmlns:r="http://schemas.openxmlformats.org/officeDocument/2006/relationships" xmlns:p="http://schemas.openxmlformats.org/presentationml/2006/main">
   <p:cSld>
     <p:spTree>
       <p:nvGrpSpPr>
@@ -1205,7 +999,7 @@
         <p:nvSpPr>
           <p:cNvPr id="2" name="Slide Image Placeholder 1"/>
           <p:cNvSpPr>
-            <a:spLocks noGrp="1"/>
+            <a:spLocks noGrp="1" noRot="1" noChangeAspect="1"/>
           </p:cNvSpPr>
           <p:nvPr>
             <p:ph type="sldImg" idx="2"/>
@@ -1220,7 +1014,7 @@
             <a:spLocks noGrp="1"/>
           </p:cNvSpPr>
           <p:nvPr>
-            <p:ph type="body" idx="3" sz="quarter"/>
+            <p:ph type="body" sz="quarter" idx="3"/>
           </p:nvPr>
         </p:nvSpPr>
         <p:spPr/>
@@ -1241,7 +1035,7 @@
             <a:spLocks noGrp="1"/>
           </p:cNvSpPr>
           <p:nvPr>
-            <p:ph type="sldNum" idx="5" sz="quarter"/>
+            <p:ph type="sldNum" sz="quarter" idx="5"/>
           </p:nvPr>
         </p:nvSpPr>
         <p:spPr/>
@@ -1255,7 +1049,7 @@
 </file>
 
 <file path=ppt/notesSlides/notesSlide2.xml><?xml version="1.0" encoding="utf-8"?>
-<p:notes xmlns:a="http://schemas.openxmlformats.org/drawingml/2006/main" xmlns:p="http://schemas.openxmlformats.org/presentationml/2006/main" xmlns:r="http://schemas.openxmlformats.org/officeDocument/2006/relationships">
+<p:notes xmlns:a="http://schemas.openxmlformats.org/drawingml/2006/main" xmlns:r="http://schemas.openxmlformats.org/officeDocument/2006/relationships" xmlns:p="http://schemas.openxmlformats.org/presentationml/2006/main">
   <p:cSld>
     <p:spTree>
       <p:nvGrpSpPr>
@@ -1275,7 +1069,7 @@
         <p:nvSpPr>
           <p:cNvPr id="2" name="Slide Image Placeholder 1"/>
           <p:cNvSpPr>
-            <a:spLocks noGrp="1"/>
+            <a:spLocks noGrp="1" noRot="1" noChangeAspect="1"/>
           </p:cNvSpPr>
           <p:nvPr>
             <p:ph type="sldImg" idx="2"/>
@@ -1290,7 +1084,7 @@
             <a:spLocks noGrp="1"/>
           </p:cNvSpPr>
           <p:nvPr>
-            <p:ph type="body" idx="3" sz="quarter"/>
+            <p:ph type="body" sz="quarter" idx="3"/>
           </p:nvPr>
         </p:nvSpPr>
         <p:spPr/>
@@ -1311,7 +1105,7 @@
             <a:spLocks noGrp="1"/>
           </p:cNvSpPr>
           <p:nvPr>
-            <p:ph type="sldNum" idx="5" sz="quarter"/>
+            <p:ph type="sldNum" sz="quarter" idx="5"/>
           </p:nvPr>
         </p:nvSpPr>
         <p:spPr/>
@@ -1325,7 +1119,7 @@
 </file>
 
 <file path=ppt/notesSlides/notesSlide20.xml><?xml version="1.0" encoding="utf-8"?>
-<p:notes xmlns:a="http://schemas.openxmlformats.org/drawingml/2006/main" xmlns:p="http://schemas.openxmlformats.org/presentationml/2006/main" xmlns:r="http://schemas.openxmlformats.org/officeDocument/2006/relationships">
+<p:notes xmlns:a="http://schemas.openxmlformats.org/drawingml/2006/main" xmlns:r="http://schemas.openxmlformats.org/officeDocument/2006/relationships" xmlns:p="http://schemas.openxmlformats.org/presentationml/2006/main">
   <p:cSld>
     <p:spTree>
       <p:nvGrpSpPr>
@@ -1345,7 +1139,7 @@
         <p:nvSpPr>
           <p:cNvPr id="2" name="Slide Image Placeholder 1"/>
           <p:cNvSpPr>
-            <a:spLocks noGrp="1"/>
+            <a:spLocks noGrp="1" noRot="1" noChangeAspect="1"/>
           </p:cNvSpPr>
           <p:nvPr>
             <p:ph type="sldImg" idx="2"/>
@@ -1360,7 +1154,7 @@
             <a:spLocks noGrp="1"/>
           </p:cNvSpPr>
           <p:nvPr>
-            <p:ph type="body" idx="3" sz="quarter"/>
+            <p:ph type="body" sz="quarter" idx="3"/>
           </p:nvPr>
         </p:nvSpPr>
         <p:spPr/>
@@ -1381,7 +1175,7 @@
             <a:spLocks noGrp="1"/>
           </p:cNvSpPr>
           <p:nvPr>
-            <p:ph type="sldNum" idx="5" sz="quarter"/>
+            <p:ph type="sldNum" sz="quarter" idx="5"/>
           </p:nvPr>
         </p:nvSpPr>
         <p:spPr/>
@@ -1395,7 +1189,7 @@
 </file>
 
 <file path=ppt/notesSlides/notesSlide21.xml><?xml version="1.0" encoding="utf-8"?>
-<p:notes xmlns:a="http://schemas.openxmlformats.org/drawingml/2006/main" xmlns:p="http://schemas.openxmlformats.org/presentationml/2006/main" xmlns:r="http://schemas.openxmlformats.org/officeDocument/2006/relationships">
+<p:notes xmlns:a="http://schemas.openxmlformats.org/drawingml/2006/main" xmlns:r="http://schemas.openxmlformats.org/officeDocument/2006/relationships" xmlns:p="http://schemas.openxmlformats.org/presentationml/2006/main">
   <p:cSld>
     <p:spTree>
       <p:nvGrpSpPr>
@@ -1415,7 +1209,7 @@
         <p:nvSpPr>
           <p:cNvPr id="2" name="Slide Image Placeholder 1"/>
           <p:cNvSpPr>
-            <a:spLocks noGrp="1"/>
+            <a:spLocks noGrp="1" noRot="1" noChangeAspect="1"/>
           </p:cNvSpPr>
           <p:nvPr>
             <p:ph type="sldImg" idx="2"/>
@@ -1430,7 +1224,7 @@
             <a:spLocks noGrp="1"/>
           </p:cNvSpPr>
           <p:nvPr>
-            <p:ph type="body" idx="3" sz="quarter"/>
+            <p:ph type="body" sz="quarter" idx="3"/>
           </p:nvPr>
         </p:nvSpPr>
         <p:spPr/>
@@ -1451,7 +1245,7 @@
             <a:spLocks noGrp="1"/>
           </p:cNvSpPr>
           <p:nvPr>
-            <p:ph type="sldNum" idx="5" sz="quarter"/>
+            <p:ph type="sldNum" sz="quarter" idx="5"/>
           </p:nvPr>
         </p:nvSpPr>
         <p:spPr/>
@@ -1465,7 +1259,7 @@
 </file>
 
 <file path=ppt/notesSlides/notesSlide22.xml><?xml version="1.0" encoding="utf-8"?>
-<p:notes xmlns:a="http://schemas.openxmlformats.org/drawingml/2006/main" xmlns:p="http://schemas.openxmlformats.org/presentationml/2006/main" xmlns:r="http://schemas.openxmlformats.org/officeDocument/2006/relationships">
+<p:notes xmlns:a="http://schemas.openxmlformats.org/drawingml/2006/main" xmlns:r="http://schemas.openxmlformats.org/officeDocument/2006/relationships" xmlns:p="http://schemas.openxmlformats.org/presentationml/2006/main">
   <p:cSld>
     <p:spTree>
       <p:nvGrpSpPr>
@@ -1485,7 +1279,7 @@
         <p:nvSpPr>
           <p:cNvPr id="2" name="Slide Image Placeholder 1"/>
           <p:cNvSpPr>
-            <a:spLocks noGrp="1"/>
+            <a:spLocks noGrp="1" noRot="1" noChangeAspect="1"/>
           </p:cNvSpPr>
           <p:nvPr>
             <p:ph type="sldImg" idx="2"/>
@@ -1500,7 +1294,7 @@
             <a:spLocks noGrp="1"/>
           </p:cNvSpPr>
           <p:nvPr>
-            <p:ph type="body" idx="3" sz="quarter"/>
+            <p:ph type="body" sz="quarter" idx="3"/>
           </p:nvPr>
         </p:nvSpPr>
         <p:spPr/>
@@ -1521,7 +1315,7 @@
             <a:spLocks noGrp="1"/>
           </p:cNvSpPr>
           <p:nvPr>
-            <p:ph type="sldNum" idx="5" sz="quarter"/>
+            <p:ph type="sldNum" sz="quarter" idx="5"/>
           </p:nvPr>
         </p:nvSpPr>
         <p:spPr/>
@@ -1535,7 +1329,7 @@
 </file>
 
 <file path=ppt/notesSlides/notesSlide23.xml><?xml version="1.0" encoding="utf-8"?>
-<p:notes xmlns:a="http://schemas.openxmlformats.org/drawingml/2006/main" xmlns:p="http://schemas.openxmlformats.org/presentationml/2006/main" xmlns:r="http://schemas.openxmlformats.org/officeDocument/2006/relationships">
+<p:notes xmlns:a="http://schemas.openxmlformats.org/drawingml/2006/main" xmlns:r="http://schemas.openxmlformats.org/officeDocument/2006/relationships" xmlns:p="http://schemas.openxmlformats.org/presentationml/2006/main">
   <p:cSld>
     <p:spTree>
       <p:nvGrpSpPr>
@@ -1555,7 +1349,7 @@
         <p:nvSpPr>
           <p:cNvPr id="2" name="Slide Image Placeholder 1"/>
           <p:cNvSpPr>
-            <a:spLocks noGrp="1"/>
+            <a:spLocks noGrp="1" noRot="1" noChangeAspect="1"/>
           </p:cNvSpPr>
           <p:nvPr>
             <p:ph type="sldImg" idx="2"/>
@@ -1570,7 +1364,7 @@
             <a:spLocks noGrp="1"/>
           </p:cNvSpPr>
           <p:nvPr>
-            <p:ph type="body" idx="3" sz="quarter"/>
+            <p:ph type="body" sz="quarter" idx="3"/>
           </p:nvPr>
         </p:nvSpPr>
         <p:spPr/>
@@ -1591,7 +1385,7 @@
             <a:spLocks noGrp="1"/>
           </p:cNvSpPr>
           <p:nvPr>
-            <p:ph type="sldNum" idx="5" sz="quarter"/>
+            <p:ph type="sldNum" sz="quarter" idx="5"/>
           </p:nvPr>
         </p:nvSpPr>
         <p:spPr/>
@@ -1605,7 +1399,7 @@
 </file>
 
 <file path=ppt/notesSlides/notesSlide24.xml><?xml version="1.0" encoding="utf-8"?>
-<p:notes xmlns:a="http://schemas.openxmlformats.org/drawingml/2006/main" xmlns:p="http://schemas.openxmlformats.org/presentationml/2006/main" xmlns:r="http://schemas.openxmlformats.org/officeDocument/2006/relationships">
+<p:notes xmlns:a="http://schemas.openxmlformats.org/drawingml/2006/main" xmlns:r="http://schemas.openxmlformats.org/officeDocument/2006/relationships" xmlns:p="http://schemas.openxmlformats.org/presentationml/2006/main">
   <p:cSld>
     <p:spTree>
       <p:nvGrpSpPr>
@@ -1625,7 +1419,7 @@
         <p:nvSpPr>
           <p:cNvPr id="2" name="Slide Image Placeholder 1"/>
           <p:cNvSpPr>
-            <a:spLocks noGrp="1"/>
+            <a:spLocks noGrp="1" noRot="1" noChangeAspect="1"/>
           </p:cNvSpPr>
           <p:nvPr>
             <p:ph type="sldImg" idx="2"/>
@@ -1640,7 +1434,7 @@
             <a:spLocks noGrp="1"/>
           </p:cNvSpPr>
           <p:nvPr>
-            <p:ph type="body" idx="3" sz="quarter"/>
+            <p:ph type="body" sz="quarter" idx="3"/>
           </p:nvPr>
         </p:nvSpPr>
         <p:spPr/>
@@ -1661,7 +1455,7 @@
             <a:spLocks noGrp="1"/>
           </p:cNvSpPr>
           <p:nvPr>
-            <p:ph type="sldNum" idx="5" sz="quarter"/>
+            <p:ph type="sldNum" sz="quarter" idx="5"/>
           </p:nvPr>
         </p:nvSpPr>
         <p:spPr/>
@@ -1675,7 +1469,7 @@
 </file>
 
 <file path=ppt/notesSlides/notesSlide25.xml><?xml version="1.0" encoding="utf-8"?>
-<p:notes xmlns:a="http://schemas.openxmlformats.org/drawingml/2006/main" xmlns:p="http://schemas.openxmlformats.org/presentationml/2006/main" xmlns:r="http://schemas.openxmlformats.org/officeDocument/2006/relationships">
+<p:notes xmlns:a="http://schemas.openxmlformats.org/drawingml/2006/main" xmlns:r="http://schemas.openxmlformats.org/officeDocument/2006/relationships" xmlns:p="http://schemas.openxmlformats.org/presentationml/2006/main">
   <p:cSld>
     <p:spTree>
       <p:nvGrpSpPr>
@@ -1695,7 +1489,7 @@
         <p:nvSpPr>
           <p:cNvPr id="2" name="Slide Image Placeholder 1"/>
           <p:cNvSpPr>
-            <a:spLocks noGrp="1"/>
+            <a:spLocks noGrp="1" noRot="1" noChangeAspect="1"/>
           </p:cNvSpPr>
           <p:nvPr>
             <p:ph type="sldImg" idx="2"/>
@@ -1710,7 +1504,7 @@
             <a:spLocks noGrp="1"/>
           </p:cNvSpPr>
           <p:nvPr>
-            <p:ph type="body" idx="3" sz="quarter"/>
+            <p:ph type="body" sz="quarter" idx="3"/>
           </p:nvPr>
         </p:nvSpPr>
         <p:spPr/>
@@ -1731,7 +1525,7 @@
             <a:spLocks noGrp="1"/>
           </p:cNvSpPr>
           <p:nvPr>
-            <p:ph type="sldNum" idx="5" sz="quarter"/>
+            <p:ph type="sldNum" sz="quarter" idx="5"/>
           </p:nvPr>
         </p:nvSpPr>
         <p:spPr/>
@@ -1745,7 +1539,7 @@
 </file>
 
 <file path=ppt/notesSlides/notesSlide26.xml><?xml version="1.0" encoding="utf-8"?>
-<p:notes xmlns:a="http://schemas.openxmlformats.org/drawingml/2006/main" xmlns:p="http://schemas.openxmlformats.org/presentationml/2006/main" xmlns:r="http://schemas.openxmlformats.org/officeDocument/2006/relationships">
+<p:notes xmlns:a="http://schemas.openxmlformats.org/drawingml/2006/main" xmlns:r="http://schemas.openxmlformats.org/officeDocument/2006/relationships" xmlns:p="http://schemas.openxmlformats.org/presentationml/2006/main">
   <p:cSld>
     <p:spTree>
       <p:nvGrpSpPr>
@@ -1765,7 +1559,7 @@
         <p:nvSpPr>
           <p:cNvPr id="2" name="Slide Image Placeholder 1"/>
           <p:cNvSpPr>
-            <a:spLocks noGrp="1"/>
+            <a:spLocks noGrp="1" noRot="1" noChangeAspect="1"/>
           </p:cNvSpPr>
           <p:nvPr>
             <p:ph type="sldImg" idx="2"/>
@@ -1780,7 +1574,7 @@
             <a:spLocks noGrp="1"/>
           </p:cNvSpPr>
           <p:nvPr>
-            <p:ph type="body" idx="3" sz="quarter"/>
+            <p:ph type="body" sz="quarter" idx="3"/>
           </p:nvPr>
         </p:nvSpPr>
         <p:spPr/>
@@ -1801,7 +1595,7 @@
             <a:spLocks noGrp="1"/>
           </p:cNvSpPr>
           <p:nvPr>
-            <p:ph type="sldNum" idx="5" sz="quarter"/>
+            <p:ph type="sldNum" sz="quarter" idx="5"/>
           </p:nvPr>
         </p:nvSpPr>
         <p:spPr/>
@@ -1815,7 +1609,7 @@
 </file>
 
 <file path=ppt/notesSlides/notesSlide27.xml><?xml version="1.0" encoding="utf-8"?>
-<p:notes xmlns:a="http://schemas.openxmlformats.org/drawingml/2006/main" xmlns:p="http://schemas.openxmlformats.org/presentationml/2006/main" xmlns:r="http://schemas.openxmlformats.org/officeDocument/2006/relationships">
+<p:notes xmlns:a="http://schemas.openxmlformats.org/drawingml/2006/main" xmlns:r="http://schemas.openxmlformats.org/officeDocument/2006/relationships" xmlns:p="http://schemas.openxmlformats.org/presentationml/2006/main">
   <p:cSld>
     <p:spTree>
       <p:nvGrpSpPr>
@@ -1835,7 +1629,7 @@
         <p:nvSpPr>
           <p:cNvPr id="2" name="Slide Image Placeholder 1"/>
           <p:cNvSpPr>
-            <a:spLocks noGrp="1"/>
+            <a:spLocks noGrp="1" noRot="1" noChangeAspect="1"/>
           </p:cNvSpPr>
           <p:nvPr>
             <p:ph type="sldImg" idx="2"/>
@@ -1850,7 +1644,7 @@
             <a:spLocks noGrp="1"/>
           </p:cNvSpPr>
           <p:nvPr>
-            <p:ph type="body" idx="3" sz="quarter"/>
+            <p:ph type="body" sz="quarter" idx="3"/>
           </p:nvPr>
         </p:nvSpPr>
         <p:spPr/>
@@ -1871,7 +1665,7 @@
             <a:spLocks noGrp="1"/>
           </p:cNvSpPr>
           <p:nvPr>
-            <p:ph type="sldNum" idx="5" sz="quarter"/>
+            <p:ph type="sldNum" sz="quarter" idx="5"/>
           </p:nvPr>
         </p:nvSpPr>
         <p:spPr/>
@@ -1885,7 +1679,7 @@
 </file>
 
 <file path=ppt/notesSlides/notesSlide28.xml><?xml version="1.0" encoding="utf-8"?>
-<p:notes xmlns:a="http://schemas.openxmlformats.org/drawingml/2006/main" xmlns:p="http://schemas.openxmlformats.org/presentationml/2006/main" xmlns:r="http://schemas.openxmlformats.org/officeDocument/2006/relationships">
+<p:notes xmlns:a="http://schemas.openxmlformats.org/drawingml/2006/main" xmlns:r="http://schemas.openxmlformats.org/officeDocument/2006/relationships" xmlns:p="http://schemas.openxmlformats.org/presentationml/2006/main">
   <p:cSld>
     <p:spTree>
       <p:nvGrpSpPr>
@@ -1905,7 +1699,7 @@
         <p:nvSpPr>
           <p:cNvPr id="2" name="Slide Image Placeholder 1"/>
           <p:cNvSpPr>
-            <a:spLocks noGrp="1"/>
+            <a:spLocks noGrp="1" noRot="1" noChangeAspect="1"/>
           </p:cNvSpPr>
           <p:nvPr>
             <p:ph type="sldImg" idx="2"/>
@@ -1920,7 +1714,7 @@
             <a:spLocks noGrp="1"/>
           </p:cNvSpPr>
           <p:nvPr>
-            <p:ph type="body" idx="3" sz="quarter"/>
+            <p:ph type="body" sz="quarter" idx="3"/>
           </p:nvPr>
         </p:nvSpPr>
         <p:spPr/>
@@ -1941,7 +1735,7 @@
             <a:spLocks noGrp="1"/>
           </p:cNvSpPr>
           <p:nvPr>
-            <p:ph type="sldNum" idx="5" sz="quarter"/>
+            <p:ph type="sldNum" sz="quarter" idx="5"/>
           </p:nvPr>
         </p:nvSpPr>
         <p:spPr/>
@@ -1955,7 +1749,7 @@
 </file>
 
 <file path=ppt/notesSlides/notesSlide3.xml><?xml version="1.0" encoding="utf-8"?>
-<p:notes xmlns:a="http://schemas.openxmlformats.org/drawingml/2006/main" xmlns:p="http://schemas.openxmlformats.org/presentationml/2006/main" xmlns:r="http://schemas.openxmlformats.org/officeDocument/2006/relationships">
+<p:notes xmlns:a="http://schemas.openxmlformats.org/drawingml/2006/main" xmlns:r="http://schemas.openxmlformats.org/officeDocument/2006/relationships" xmlns:p="http://schemas.openxmlformats.org/presentationml/2006/main">
   <p:cSld>
     <p:spTree>
       <p:nvGrpSpPr>
@@ -1975,7 +1769,7 @@
         <p:nvSpPr>
           <p:cNvPr id="2" name="Slide Image Placeholder 1"/>
           <p:cNvSpPr>
-            <a:spLocks noGrp="1"/>
+            <a:spLocks noGrp="1" noRot="1" noChangeAspect="1"/>
           </p:cNvSpPr>
           <p:nvPr>
             <p:ph type="sldImg" idx="2"/>
@@ -1990,7 +1784,7 @@
             <a:spLocks noGrp="1"/>
           </p:cNvSpPr>
           <p:nvPr>
-            <p:ph type="body" idx="3" sz="quarter"/>
+            <p:ph type="body" sz="quarter" idx="3"/>
           </p:nvPr>
         </p:nvSpPr>
         <p:spPr/>
@@ -2011,7 +1805,7 @@
             <a:spLocks noGrp="1"/>
           </p:cNvSpPr>
           <p:nvPr>
-            <p:ph type="sldNum" idx="5" sz="quarter"/>
+            <p:ph type="sldNum" sz="quarter" idx="5"/>
           </p:nvPr>
         </p:nvSpPr>
         <p:spPr/>
@@ -2025,7 +1819,7 @@
 </file>
 
 <file path=ppt/notesSlides/notesSlide4.xml><?xml version="1.0" encoding="utf-8"?>
-<p:notes xmlns:a="http://schemas.openxmlformats.org/drawingml/2006/main" xmlns:p="http://schemas.openxmlformats.org/presentationml/2006/main" xmlns:r="http://schemas.openxmlformats.org/officeDocument/2006/relationships">
+<p:notes xmlns:a="http://schemas.openxmlformats.org/drawingml/2006/main" xmlns:r="http://schemas.openxmlformats.org/officeDocument/2006/relationships" xmlns:p="http://schemas.openxmlformats.org/presentationml/2006/main">
   <p:cSld>
     <p:spTree>
       <p:nvGrpSpPr>
@@ -2045,7 +1839,7 @@
         <p:nvSpPr>
           <p:cNvPr id="2" name="Slide Image Placeholder 1"/>
           <p:cNvSpPr>
-            <a:spLocks noGrp="1"/>
+            <a:spLocks noGrp="1" noRot="1" noChangeAspect="1"/>
           </p:cNvSpPr>
           <p:nvPr>
             <p:ph type="sldImg" idx="2"/>
@@ -2060,7 +1854,7 @@
             <a:spLocks noGrp="1"/>
           </p:cNvSpPr>
           <p:nvPr>
-            <p:ph type="body" idx="3" sz="quarter"/>
+            <p:ph type="body" sz="quarter" idx="3"/>
           </p:nvPr>
         </p:nvSpPr>
         <p:spPr/>
@@ -2081,7 +1875,7 @@
             <a:spLocks noGrp="1"/>
           </p:cNvSpPr>
           <p:nvPr>
-            <p:ph type="sldNum" idx="5" sz="quarter"/>
+            <p:ph type="sldNum" sz="quarter" idx="5"/>
           </p:nvPr>
         </p:nvSpPr>
         <p:spPr/>
@@ -2095,7 +1889,7 @@
 </file>
 
 <file path=ppt/notesSlides/notesSlide5.xml><?xml version="1.0" encoding="utf-8"?>
-<p:notes xmlns:a="http://schemas.openxmlformats.org/drawingml/2006/main" xmlns:p="http://schemas.openxmlformats.org/presentationml/2006/main" xmlns:r="http://schemas.openxmlformats.org/officeDocument/2006/relationships">
+<p:notes xmlns:a="http://schemas.openxmlformats.org/drawingml/2006/main" xmlns:r="http://schemas.openxmlformats.org/officeDocument/2006/relationships" xmlns:p="http://schemas.openxmlformats.org/presentationml/2006/main">
   <p:cSld>
     <p:spTree>
       <p:nvGrpSpPr>
@@ -2115,7 +1909,7 @@
         <p:nvSpPr>
           <p:cNvPr id="2" name="Slide Image Placeholder 1"/>
           <p:cNvSpPr>
-            <a:spLocks noGrp="1"/>
+            <a:spLocks noGrp="1" noRot="1" noChangeAspect="1"/>
           </p:cNvSpPr>
           <p:nvPr>
             <p:ph type="sldImg" idx="2"/>
@@ -2130,7 +1924,7 @@
             <a:spLocks noGrp="1"/>
           </p:cNvSpPr>
           <p:nvPr>
-            <p:ph type="body" idx="3" sz="quarter"/>
+            <p:ph type="body" sz="quarter" idx="3"/>
           </p:nvPr>
         </p:nvSpPr>
         <p:spPr/>
@@ -2151,7 +1945,7 @@
             <a:spLocks noGrp="1"/>
           </p:cNvSpPr>
           <p:nvPr>
-            <p:ph type="sldNum" idx="5" sz="quarter"/>
+            <p:ph type="sldNum" sz="quarter" idx="5"/>
           </p:nvPr>
         </p:nvSpPr>
         <p:spPr/>
@@ -2165,7 +1959,7 @@
 </file>
 
 <file path=ppt/notesSlides/notesSlide6.xml><?xml version="1.0" encoding="utf-8"?>
-<p:notes xmlns:a="http://schemas.openxmlformats.org/drawingml/2006/main" xmlns:p="http://schemas.openxmlformats.org/presentationml/2006/main" xmlns:r="http://schemas.openxmlformats.org/officeDocument/2006/relationships">
+<p:notes xmlns:a="http://schemas.openxmlformats.org/drawingml/2006/main" xmlns:r="http://schemas.openxmlformats.org/officeDocument/2006/relationships" xmlns:p="http://schemas.openxmlformats.org/presentationml/2006/main">
   <p:cSld>
     <p:spTree>
       <p:nvGrpSpPr>
@@ -2185,7 +1979,7 @@
         <p:nvSpPr>
           <p:cNvPr id="2" name="Slide Image Placeholder 1"/>
           <p:cNvSpPr>
-            <a:spLocks noGrp="1"/>
+            <a:spLocks noGrp="1" noRot="1" noChangeAspect="1"/>
           </p:cNvSpPr>
           <p:nvPr>
             <p:ph type="sldImg" idx="2"/>
@@ -2200,7 +1994,7 @@
             <a:spLocks noGrp="1"/>
           </p:cNvSpPr>
           <p:nvPr>
-            <p:ph type="body" idx="3" sz="quarter"/>
+            <p:ph type="body" sz="quarter" idx="3"/>
           </p:nvPr>
         </p:nvSpPr>
         <p:spPr/>
@@ -2221,7 +2015,7 @@
             <a:spLocks noGrp="1"/>
           </p:cNvSpPr>
           <p:nvPr>
-            <p:ph type="sldNum" idx="5" sz="quarter"/>
+            <p:ph type="sldNum" sz="quarter" idx="5"/>
           </p:nvPr>
         </p:nvSpPr>
         <p:spPr/>
@@ -2235,7 +2029,7 @@
 </file>
 
 <file path=ppt/notesSlides/notesSlide7.xml><?xml version="1.0" encoding="utf-8"?>
-<p:notes xmlns:a="http://schemas.openxmlformats.org/drawingml/2006/main" xmlns:p="http://schemas.openxmlformats.org/presentationml/2006/main" xmlns:r="http://schemas.openxmlformats.org/officeDocument/2006/relationships">
+<p:notes xmlns:a="http://schemas.openxmlformats.org/drawingml/2006/main" xmlns:r="http://schemas.openxmlformats.org/officeDocument/2006/relationships" xmlns:p="http://schemas.openxmlformats.org/presentationml/2006/main">
   <p:cSld>
     <p:spTree>
       <p:nvGrpSpPr>
@@ -2255,7 +2049,7 @@
         <p:nvSpPr>
           <p:cNvPr id="2" name="Slide Image Placeholder 1"/>
           <p:cNvSpPr>
-            <a:spLocks noGrp="1"/>
+            <a:spLocks noGrp="1" noRot="1" noChangeAspect="1"/>
           </p:cNvSpPr>
           <p:nvPr>
             <p:ph type="sldImg" idx="2"/>
@@ -2270,7 +2064,7 @@
             <a:spLocks noGrp="1"/>
           </p:cNvSpPr>
           <p:nvPr>
-            <p:ph type="body" idx="3" sz="quarter"/>
+            <p:ph type="body" sz="quarter" idx="3"/>
           </p:nvPr>
         </p:nvSpPr>
         <p:spPr/>
@@ -2291,7 +2085,7 @@
             <a:spLocks noGrp="1"/>
           </p:cNvSpPr>
           <p:nvPr>
-            <p:ph type="sldNum" idx="5" sz="quarter"/>
+            <p:ph type="sldNum" sz="quarter" idx="5"/>
           </p:nvPr>
         </p:nvSpPr>
         <p:spPr/>
@@ -2305,7 +2099,7 @@
 </file>
 
 <file path=ppt/notesSlides/notesSlide8.xml><?xml version="1.0" encoding="utf-8"?>
-<p:notes xmlns:a="http://schemas.openxmlformats.org/drawingml/2006/main" xmlns:p="http://schemas.openxmlformats.org/presentationml/2006/main" xmlns:r="http://schemas.openxmlformats.org/officeDocument/2006/relationships">
+<p:notes xmlns:a="http://schemas.openxmlformats.org/drawingml/2006/main" xmlns:r="http://schemas.openxmlformats.org/officeDocument/2006/relationships" xmlns:p="http://schemas.openxmlformats.org/presentationml/2006/main">
   <p:cSld>
     <p:spTree>
       <p:nvGrpSpPr>
@@ -2325,7 +2119,7 @@
         <p:nvSpPr>
           <p:cNvPr id="2" name="Slide Image Placeholder 1"/>
           <p:cNvSpPr>
-            <a:spLocks noGrp="1"/>
+            <a:spLocks noGrp="1" noRot="1" noChangeAspect="1"/>
           </p:cNvSpPr>
           <p:nvPr>
             <p:ph type="sldImg" idx="2"/>
@@ -2340,7 +2134,7 @@
             <a:spLocks noGrp="1"/>
           </p:cNvSpPr>
           <p:nvPr>
-            <p:ph type="body" idx="3" sz="quarter"/>
+            <p:ph type="body" sz="quarter" idx="3"/>
           </p:nvPr>
         </p:nvSpPr>
         <p:spPr/>
@@ -2361,7 +2155,7 @@
             <a:spLocks noGrp="1"/>
           </p:cNvSpPr>
           <p:nvPr>
-            <p:ph type="sldNum" idx="5" sz="quarter"/>
+            <p:ph type="sldNum" sz="quarter" idx="5"/>
           </p:nvPr>
         </p:nvSpPr>
         <p:spPr/>
@@ -2375,7 +2169,7 @@
 </file>
 
 <file path=ppt/notesSlides/notesSlide9.xml><?xml version="1.0" encoding="utf-8"?>
-<p:notes xmlns:a="http://schemas.openxmlformats.org/drawingml/2006/main" xmlns:p="http://schemas.openxmlformats.org/presentationml/2006/main" xmlns:r="http://schemas.openxmlformats.org/officeDocument/2006/relationships">
+<p:notes xmlns:a="http://schemas.openxmlformats.org/drawingml/2006/main" xmlns:r="http://schemas.openxmlformats.org/officeDocument/2006/relationships" xmlns:p="http://schemas.openxmlformats.org/presentationml/2006/main">
   <p:cSld>
     <p:spTree>
       <p:nvGrpSpPr>
@@ -2395,7 +2189,7 @@
         <p:nvSpPr>
           <p:cNvPr id="2" name="Slide Image Placeholder 1"/>
           <p:cNvSpPr>
-            <a:spLocks noGrp="1"/>
+            <a:spLocks noGrp="1" noRot="1" noChangeAspect="1"/>
           </p:cNvSpPr>
           <p:nvPr>
             <p:ph type="sldImg" idx="2"/>
@@ -2410,7 +2204,7 @@
             <a:spLocks noGrp="1"/>
           </p:cNvSpPr>
           <p:nvPr>
-            <p:ph type="body" idx="3" sz="quarter"/>
+            <p:ph type="body" sz="quarter" idx="3"/>
           </p:nvPr>
         </p:nvSpPr>
         <p:spPr/>
@@ -2431,7 +2225,7 @@
             <a:spLocks noGrp="1"/>
           </p:cNvSpPr>
           <p:nvPr>
-            <p:ph type="sldNum" idx="5" sz="quarter"/>
+            <p:ph type="sldNum" sz="quarter" idx="5"/>
           </p:nvPr>
         </p:nvSpPr>
         <p:spPr/>
@@ -2482,10 +2276,9 @@
           <a:lstStyle/>
           <a:p>
             <a:r>
-              <a:rPr lang="en-US" smtClean="0"/>
+              <a:rPr lang="en-US"/>
               <a:t>Click to edit Master title style</a:t>
             </a:r>
-            <a:endParaRPr lang="en-US"/>
           </a:p>
         </p:txBody>
       </p:sp>
@@ -2601,10 +2394,9 @@
           </a:lstStyle>
           <a:p>
             <a:r>
-              <a:rPr lang="en-US" smtClean="0"/>
+              <a:rPr lang="en-US"/>
               <a:t>Click to edit Master subtitle style</a:t>
             </a:r>
-            <a:endParaRPr lang="en-US"/>
           </a:p>
         </p:txBody>
       </p:sp>
@@ -2625,7 +2417,7 @@
           <a:p>
             <a:fld id="{5BCAD085-E8A6-8845-BD4E-CB4CCA059FC4}" type="datetimeFigureOut">
               <a:rPr lang="en-US" smtClean="0"/>
-              <a:t>1/27/13</a:t>
+              <a:t>2/10/2026</a:t>
             </a:fld>
             <a:endParaRPr lang="en-US"/>
           </a:p>
@@ -2719,10 +2511,9 @@
           <a:lstStyle/>
           <a:p>
             <a:r>
-              <a:rPr lang="en-US" smtClean="0"/>
+              <a:rPr lang="en-US"/>
               <a:t>Click to edit Master title style</a:t>
             </a:r>
-            <a:endParaRPr lang="en-US"/>
           </a:p>
         </p:txBody>
       </p:sp>
@@ -2743,38 +2534,37 @@
           <a:p>
             <a:pPr lvl="0"/>
             <a:r>
-              <a:rPr lang="en-US" smtClean="0"/>
+              <a:rPr lang="en-US"/>
               <a:t>Click to edit Master text styles</a:t>
             </a:r>
           </a:p>
           <a:p>
             <a:pPr lvl="1"/>
             <a:r>
-              <a:rPr lang="en-US" smtClean="0"/>
+              <a:rPr lang="en-US"/>
               <a:t>Second level</a:t>
             </a:r>
           </a:p>
           <a:p>
             <a:pPr lvl="2"/>
             <a:r>
-              <a:rPr lang="en-US" smtClean="0"/>
+              <a:rPr lang="en-US"/>
               <a:t>Third level</a:t>
             </a:r>
           </a:p>
           <a:p>
             <a:pPr lvl="3"/>
             <a:r>
-              <a:rPr lang="en-US" smtClean="0"/>
+              <a:rPr lang="en-US"/>
               <a:t>Fourth level</a:t>
             </a:r>
           </a:p>
           <a:p>
             <a:pPr lvl="4"/>
             <a:r>
-              <a:rPr lang="en-US" smtClean="0"/>
+              <a:rPr lang="en-US"/>
               <a:t>Fifth level</a:t>
             </a:r>
-            <a:endParaRPr lang="en-US"/>
           </a:p>
         </p:txBody>
       </p:sp>
@@ -2795,7 +2585,7 @@
           <a:p>
             <a:fld id="{5BCAD085-E8A6-8845-BD4E-CB4CCA059FC4}" type="datetimeFigureOut">
               <a:rPr lang="en-US" smtClean="0"/>
-              <a:t>1/27/13</a:t>
+              <a:t>2/10/2026</a:t>
             </a:fld>
             <a:endParaRPr lang="en-US"/>
           </a:p>
@@ -2894,10 +2684,9 @@
           <a:lstStyle/>
           <a:p>
             <a:r>
-              <a:rPr lang="en-US" smtClean="0"/>
+              <a:rPr lang="en-US"/>
               <a:t>Click to edit Master title style</a:t>
             </a:r>
-            <a:endParaRPr lang="en-US"/>
           </a:p>
         </p:txBody>
       </p:sp>
@@ -2923,38 +2712,37 @@
           <a:p>
             <a:pPr lvl="0"/>
             <a:r>
-              <a:rPr lang="en-US" smtClean="0"/>
+              <a:rPr lang="en-US"/>
               <a:t>Click to edit Master text styles</a:t>
             </a:r>
           </a:p>
           <a:p>
             <a:pPr lvl="1"/>
             <a:r>
-              <a:rPr lang="en-US" smtClean="0"/>
+              <a:rPr lang="en-US"/>
               <a:t>Second level</a:t>
             </a:r>
           </a:p>
           <a:p>
             <a:pPr lvl="2"/>
             <a:r>
-              <a:rPr lang="en-US" smtClean="0"/>
+              <a:rPr lang="en-US"/>
               <a:t>Third level</a:t>
             </a:r>
           </a:p>
           <a:p>
             <a:pPr lvl="3"/>
             <a:r>
-              <a:rPr lang="en-US" smtClean="0"/>
+              <a:rPr lang="en-US"/>
               <a:t>Fourth level</a:t>
             </a:r>
           </a:p>
           <a:p>
             <a:pPr lvl="4"/>
             <a:r>
-              <a:rPr lang="en-US" smtClean="0"/>
+              <a:rPr lang="en-US"/>
               <a:t>Fifth level</a:t>
             </a:r>
-            <a:endParaRPr lang="en-US"/>
           </a:p>
         </p:txBody>
       </p:sp>
@@ -2975,7 +2763,7 @@
           <a:p>
             <a:fld id="{5BCAD085-E8A6-8845-BD4E-CB4CCA059FC4}" type="datetimeFigureOut">
               <a:rPr lang="en-US" smtClean="0"/>
-              <a:t>1/27/13</a:t>
+              <a:t>2/10/2026</a:t>
             </a:fld>
             <a:endParaRPr lang="en-US"/>
           </a:p>
@@ -3069,10 +2857,9 @@
           <a:lstStyle/>
           <a:p>
             <a:r>
-              <a:rPr lang="en-US" smtClean="0"/>
+              <a:rPr lang="en-US"/>
               <a:t>Click to edit Master title style</a:t>
             </a:r>
-            <a:endParaRPr lang="en-US"/>
           </a:p>
         </p:txBody>
       </p:sp>
@@ -3093,38 +2880,37 @@
           <a:p>
             <a:pPr lvl="0"/>
             <a:r>
-              <a:rPr lang="en-US" smtClean="0"/>
+              <a:rPr lang="en-US"/>
               <a:t>Click to edit Master text styles</a:t>
             </a:r>
           </a:p>
           <a:p>
             <a:pPr lvl="1"/>
             <a:r>
-              <a:rPr lang="en-US" smtClean="0"/>
+              <a:rPr lang="en-US"/>
               <a:t>Second level</a:t>
             </a:r>
           </a:p>
           <a:p>
             <a:pPr lvl="2"/>
             <a:r>
-              <a:rPr lang="en-US" smtClean="0"/>
+              <a:rPr lang="en-US"/>
               <a:t>Third level</a:t>
             </a:r>
           </a:p>
           <a:p>
             <a:pPr lvl="3"/>
             <a:r>
-              <a:rPr lang="en-US" smtClean="0"/>
+              <a:rPr lang="en-US"/>
               <a:t>Fourth level</a:t>
             </a:r>
           </a:p>
           <a:p>
             <a:pPr lvl="4"/>
             <a:r>
-              <a:rPr lang="en-US" smtClean="0"/>
+              <a:rPr lang="en-US"/>
               <a:t>Fifth level</a:t>
             </a:r>
-            <a:endParaRPr lang="en-US"/>
           </a:p>
         </p:txBody>
       </p:sp>
@@ -3145,7 +2931,7 @@
           <a:p>
             <a:fld id="{5BCAD085-E8A6-8845-BD4E-CB4CCA059FC4}" type="datetimeFigureOut">
               <a:rPr lang="en-US" smtClean="0"/>
-              <a:t>1/27/13</a:t>
+              <a:t>2/10/2026</a:t>
             </a:fld>
             <a:endParaRPr lang="en-US"/>
           </a:p>
@@ -3248,10 +3034,9 @@
           </a:lstStyle>
           <a:p>
             <a:r>
-              <a:rPr lang="en-US" smtClean="0"/>
+              <a:rPr lang="en-US"/>
               <a:t>Click to edit Master title style</a:t>
             </a:r>
-            <a:endParaRPr lang="en-US"/>
           </a:p>
         </p:txBody>
       </p:sp>
@@ -3368,7 +3153,7 @@
           <a:p>
             <a:pPr lvl="0"/>
             <a:r>
-              <a:rPr lang="en-US" smtClean="0"/>
+              <a:rPr lang="en-US"/>
               <a:t>Click to edit Master text styles</a:t>
             </a:r>
           </a:p>
@@ -3391,7 +3176,7 @@
           <a:p>
             <a:fld id="{5BCAD085-E8A6-8845-BD4E-CB4CCA059FC4}" type="datetimeFigureOut">
               <a:rPr lang="en-US" smtClean="0"/>
-              <a:t>1/27/13</a:t>
+              <a:t>2/10/2026</a:t>
             </a:fld>
             <a:endParaRPr lang="en-US"/>
           </a:p>
@@ -3485,10 +3270,9 @@
           <a:lstStyle/>
           <a:p>
             <a:r>
-              <a:rPr lang="en-US" smtClean="0"/>
+              <a:rPr lang="en-US"/>
               <a:t>Click to edit Master title style</a:t>
             </a:r>
-            <a:endParaRPr lang="en-US"/>
           </a:p>
         </p:txBody>
       </p:sp>
@@ -3542,38 +3326,37 @@
           <a:p>
             <a:pPr lvl="0"/>
             <a:r>
-              <a:rPr lang="en-US" smtClean="0"/>
+              <a:rPr lang="en-US"/>
               <a:t>Click to edit Master text styles</a:t>
             </a:r>
           </a:p>
           <a:p>
             <a:pPr lvl="1"/>
             <a:r>
-              <a:rPr lang="en-US" smtClean="0"/>
+              <a:rPr lang="en-US"/>
               <a:t>Second level</a:t>
             </a:r>
           </a:p>
           <a:p>
             <a:pPr lvl="2"/>
             <a:r>
-              <a:rPr lang="en-US" smtClean="0"/>
+              <a:rPr lang="en-US"/>
               <a:t>Third level</a:t>
             </a:r>
           </a:p>
           <a:p>
             <a:pPr lvl="3"/>
             <a:r>
-              <a:rPr lang="en-US" smtClean="0"/>
+              <a:rPr lang="en-US"/>
               <a:t>Fourth level</a:t>
             </a:r>
           </a:p>
           <a:p>
             <a:pPr lvl="4"/>
             <a:r>
-              <a:rPr lang="en-US" smtClean="0"/>
+              <a:rPr lang="en-US"/>
               <a:t>Fifth level</a:t>
             </a:r>
-            <a:endParaRPr lang="en-US"/>
           </a:p>
         </p:txBody>
       </p:sp>
@@ -3627,38 +3410,37 @@
           <a:p>
             <a:pPr lvl="0"/>
             <a:r>
-              <a:rPr lang="en-US" smtClean="0"/>
+              <a:rPr lang="en-US"/>
               <a:t>Click to edit Master text styles</a:t>
             </a:r>
           </a:p>
           <a:p>
             <a:pPr lvl="1"/>
             <a:r>
-              <a:rPr lang="en-US" smtClean="0"/>
+              <a:rPr lang="en-US"/>
               <a:t>Second level</a:t>
             </a:r>
           </a:p>
           <a:p>
             <a:pPr lvl="2"/>
             <a:r>
-              <a:rPr lang="en-US" smtClean="0"/>
+              <a:rPr lang="en-US"/>
               <a:t>Third level</a:t>
             </a:r>
           </a:p>
           <a:p>
             <a:pPr lvl="3"/>
             <a:r>
-              <a:rPr lang="en-US" smtClean="0"/>
+              <a:rPr lang="en-US"/>
               <a:t>Fourth level</a:t>
             </a:r>
           </a:p>
           <a:p>
             <a:pPr lvl="4"/>
             <a:r>
-              <a:rPr lang="en-US" smtClean="0"/>
+              <a:rPr lang="en-US"/>
               <a:t>Fifth level</a:t>
             </a:r>
-            <a:endParaRPr lang="en-US"/>
           </a:p>
         </p:txBody>
       </p:sp>
@@ -3679,7 +3461,7 @@
           <a:p>
             <a:fld id="{5BCAD085-E8A6-8845-BD4E-CB4CCA059FC4}" type="datetimeFigureOut">
               <a:rPr lang="en-US" smtClean="0"/>
-              <a:t>1/27/13</a:t>
+              <a:t>2/10/2026</a:t>
             </a:fld>
             <a:endParaRPr lang="en-US"/>
           </a:p>
@@ -3777,10 +3559,9 @@
           </a:lstStyle>
           <a:p>
             <a:r>
-              <a:rPr lang="en-US" smtClean="0"/>
+              <a:rPr lang="en-US"/>
               <a:t>Click to edit Master title style</a:t>
             </a:r>
-            <a:endParaRPr lang="en-US"/>
           </a:p>
         </p:txBody>
       </p:sp>
@@ -3843,7 +3624,7 @@
           <a:p>
             <a:pPr lvl="0"/>
             <a:r>
-              <a:rPr lang="en-US" smtClean="0"/>
+              <a:rPr lang="en-US"/>
               <a:t>Click to edit Master text styles</a:t>
             </a:r>
           </a:p>
@@ -3899,38 +3680,37 @@
           <a:p>
             <a:pPr lvl="0"/>
             <a:r>
-              <a:rPr lang="en-US" smtClean="0"/>
+              <a:rPr lang="en-US"/>
               <a:t>Click to edit Master text styles</a:t>
             </a:r>
           </a:p>
           <a:p>
             <a:pPr lvl="1"/>
             <a:r>
-              <a:rPr lang="en-US" smtClean="0"/>
+              <a:rPr lang="en-US"/>
               <a:t>Second level</a:t>
             </a:r>
           </a:p>
           <a:p>
             <a:pPr lvl="2"/>
             <a:r>
-              <a:rPr lang="en-US" smtClean="0"/>
+              <a:rPr lang="en-US"/>
               <a:t>Third level</a:t>
             </a:r>
           </a:p>
           <a:p>
             <a:pPr lvl="3"/>
             <a:r>
-              <a:rPr lang="en-US" smtClean="0"/>
+              <a:rPr lang="en-US"/>
               <a:t>Fourth level</a:t>
             </a:r>
           </a:p>
           <a:p>
             <a:pPr lvl="4"/>
             <a:r>
-              <a:rPr lang="en-US" smtClean="0"/>
+              <a:rPr lang="en-US"/>
               <a:t>Fifth level</a:t>
             </a:r>
-            <a:endParaRPr lang="en-US"/>
           </a:p>
         </p:txBody>
       </p:sp>
@@ -3993,7 +3773,7 @@
           <a:p>
             <a:pPr lvl="0"/>
             <a:r>
-              <a:rPr lang="en-US" smtClean="0"/>
+              <a:rPr lang="en-US"/>
               <a:t>Click to edit Master text styles</a:t>
             </a:r>
           </a:p>
@@ -4049,38 +3829,37 @@
           <a:p>
             <a:pPr lvl="0"/>
             <a:r>
-              <a:rPr lang="en-US" smtClean="0"/>
+              <a:rPr lang="en-US"/>
               <a:t>Click to edit Master text styles</a:t>
             </a:r>
           </a:p>
           <a:p>
             <a:pPr lvl="1"/>
             <a:r>
-              <a:rPr lang="en-US" smtClean="0"/>
+              <a:rPr lang="en-US"/>
               <a:t>Second level</a:t>
             </a:r>
           </a:p>
           <a:p>
             <a:pPr lvl="2"/>
             <a:r>
-              <a:rPr lang="en-US" smtClean="0"/>
+              <a:rPr lang="en-US"/>
               <a:t>Third level</a:t>
             </a:r>
           </a:p>
           <a:p>
             <a:pPr lvl="3"/>
             <a:r>
-              <a:rPr lang="en-US" smtClean="0"/>
+              <a:rPr lang="en-US"/>
               <a:t>Fourth level</a:t>
             </a:r>
           </a:p>
           <a:p>
             <a:pPr lvl="4"/>
             <a:r>
-              <a:rPr lang="en-US" smtClean="0"/>
+              <a:rPr lang="en-US"/>
               <a:t>Fifth level</a:t>
             </a:r>
-            <a:endParaRPr lang="en-US"/>
           </a:p>
         </p:txBody>
       </p:sp>
@@ -4101,7 +3880,7 @@
           <a:p>
             <a:fld id="{5BCAD085-E8A6-8845-BD4E-CB4CCA059FC4}" type="datetimeFigureOut">
               <a:rPr lang="en-US" smtClean="0"/>
-              <a:t>1/27/13</a:t>
+              <a:t>2/10/2026</a:t>
             </a:fld>
             <a:endParaRPr lang="en-US"/>
           </a:p>
@@ -4195,10 +3974,9 @@
           <a:lstStyle/>
           <a:p>
             <a:r>
-              <a:rPr lang="en-US" smtClean="0"/>
+              <a:rPr lang="en-US"/>
               <a:t>Click to edit Master title style</a:t>
             </a:r>
-            <a:endParaRPr lang="en-US"/>
           </a:p>
         </p:txBody>
       </p:sp>
@@ -4219,7 +3997,7 @@
           <a:p>
             <a:fld id="{5BCAD085-E8A6-8845-BD4E-CB4CCA059FC4}" type="datetimeFigureOut">
               <a:rPr lang="en-US" smtClean="0"/>
-              <a:t>1/27/13</a:t>
+              <a:t>2/10/2026</a:t>
             </a:fld>
             <a:endParaRPr lang="en-US"/>
           </a:p>
@@ -4314,7 +4092,7 @@
           <a:p>
             <a:fld id="{5BCAD085-E8A6-8845-BD4E-CB4CCA059FC4}" type="datetimeFigureOut">
               <a:rPr lang="en-US" smtClean="0"/>
-              <a:t>1/27/13</a:t>
+              <a:t>2/10/2026</a:t>
             </a:fld>
             <a:endParaRPr lang="en-US"/>
           </a:p>
@@ -4417,10 +4195,9 @@
           </a:lstStyle>
           <a:p>
             <a:r>
-              <a:rPr lang="en-US" smtClean="0"/>
+              <a:rPr lang="en-US"/>
               <a:t>Click to edit Master title style</a:t>
             </a:r>
-            <a:endParaRPr lang="en-US"/>
           </a:p>
         </p:txBody>
       </p:sp>
@@ -4474,38 +4251,37 @@
           <a:p>
             <a:pPr lvl="0"/>
             <a:r>
-              <a:rPr lang="en-US" smtClean="0"/>
+              <a:rPr lang="en-US"/>
               <a:t>Click to edit Master text styles</a:t>
             </a:r>
           </a:p>
           <a:p>
             <a:pPr lvl="1"/>
             <a:r>
-              <a:rPr lang="en-US" smtClean="0"/>
+              <a:rPr lang="en-US"/>
               <a:t>Second level</a:t>
             </a:r>
           </a:p>
           <a:p>
             <a:pPr lvl="2"/>
             <a:r>
-              <a:rPr lang="en-US" smtClean="0"/>
+              <a:rPr lang="en-US"/>
               <a:t>Third level</a:t>
             </a:r>
           </a:p>
           <a:p>
             <a:pPr lvl="3"/>
             <a:r>
-              <a:rPr lang="en-US" smtClean="0"/>
+              <a:rPr lang="en-US"/>
               <a:t>Fourth level</a:t>
             </a:r>
           </a:p>
           <a:p>
             <a:pPr lvl="4"/>
             <a:r>
-              <a:rPr lang="en-US" smtClean="0"/>
+              <a:rPr lang="en-US"/>
               <a:t>Fifth level</a:t>
             </a:r>
-            <a:endParaRPr lang="en-US"/>
           </a:p>
         </p:txBody>
       </p:sp>
@@ -4568,7 +4344,7 @@
           <a:p>
             <a:pPr lvl="0"/>
             <a:r>
-              <a:rPr lang="en-US" smtClean="0"/>
+              <a:rPr lang="en-US"/>
               <a:t>Click to edit Master text styles</a:t>
             </a:r>
           </a:p>
@@ -4591,7 +4367,7 @@
           <a:p>
             <a:fld id="{5BCAD085-E8A6-8845-BD4E-CB4CCA059FC4}" type="datetimeFigureOut">
               <a:rPr lang="en-US" smtClean="0"/>
-              <a:t>1/27/13</a:t>
+              <a:t>2/10/2026</a:t>
             </a:fld>
             <a:endParaRPr lang="en-US"/>
           </a:p>
@@ -4694,10 +4470,9 @@
           </a:lstStyle>
           <a:p>
             <a:r>
-              <a:rPr lang="en-US" smtClean="0"/>
+              <a:rPr lang="en-US"/>
               <a:t>Click to edit Master title style</a:t>
             </a:r>
-            <a:endParaRPr lang="en-US"/>
           </a:p>
         </p:txBody>
       </p:sp>
@@ -4821,7 +4596,7 @@
           <a:p>
             <a:pPr lvl="0"/>
             <a:r>
-              <a:rPr lang="en-US" smtClean="0"/>
+              <a:rPr lang="en-US"/>
               <a:t>Click to edit Master text styles</a:t>
             </a:r>
           </a:p>
@@ -4844,7 +4619,7 @@
           <a:p>
             <a:fld id="{5BCAD085-E8A6-8845-BD4E-CB4CCA059FC4}" type="datetimeFigureOut">
               <a:rPr lang="en-US" smtClean="0"/>
-              <a:t>1/27/13</a:t>
+              <a:t>2/10/2026</a:t>
             </a:fld>
             <a:endParaRPr lang="en-US"/>
           </a:p>
@@ -4953,10 +4728,9 @@
           <a:lstStyle/>
           <a:p>
             <a:r>
-              <a:rPr lang="en-US" smtClean="0"/>
+              <a:rPr lang="en-US"/>
               <a:t>Click to edit Master title style</a:t>
             </a:r>
-            <a:endParaRPr lang="en-US"/>
           </a:p>
         </p:txBody>
       </p:sp>
@@ -4987,38 +4761,37 @@
           <a:p>
             <a:pPr lvl="0"/>
             <a:r>
-              <a:rPr lang="en-US" smtClean="0"/>
+              <a:rPr lang="en-US"/>
               <a:t>Click to edit Master text styles</a:t>
             </a:r>
           </a:p>
           <a:p>
             <a:pPr lvl="1"/>
             <a:r>
-              <a:rPr lang="en-US" smtClean="0"/>
+              <a:rPr lang="en-US"/>
               <a:t>Second level</a:t>
             </a:r>
           </a:p>
           <a:p>
             <a:pPr lvl="2"/>
             <a:r>
-              <a:rPr lang="en-US" smtClean="0"/>
+              <a:rPr lang="en-US"/>
               <a:t>Third level</a:t>
             </a:r>
           </a:p>
           <a:p>
             <a:pPr lvl="3"/>
             <a:r>
-              <a:rPr lang="en-US" smtClean="0"/>
+              <a:rPr lang="en-US"/>
               <a:t>Fourth level</a:t>
             </a:r>
           </a:p>
           <a:p>
             <a:pPr lvl="4"/>
             <a:r>
-              <a:rPr lang="en-US" smtClean="0"/>
+              <a:rPr lang="en-US"/>
               <a:t>Fifth level</a:t>
             </a:r>
-            <a:endParaRPr lang="en-US"/>
           </a:p>
         </p:txBody>
       </p:sp>
@@ -5057,7 +4830,7 @@
           <a:p>
             <a:fld id="{5BCAD085-E8A6-8845-BD4E-CB4CCA059FC4}" type="datetimeFigureOut">
               <a:rPr lang="en-US" smtClean="0"/>
-              <a:t>1/27/13</a:t>
+              <a:t>2/10/2026</a:t>
             </a:fld>
             <a:endParaRPr lang="en-US"/>
           </a:p>
@@ -5416,7 +5189,7 @@
 </file>
 
 <file path=ppt/slides/slide1.xml><?xml version="1.0" encoding="utf-8"?>
-<p:sld xmlns:a="http://schemas.openxmlformats.org/drawingml/2006/main" xmlns:p="http://schemas.openxmlformats.org/presentationml/2006/main" xmlns:r="http://schemas.openxmlformats.org/officeDocument/2006/relationships">
+<p:sld xmlns:a="http://schemas.openxmlformats.org/drawingml/2006/main" xmlns:r="http://schemas.openxmlformats.org/officeDocument/2006/relationships" xmlns:p="http://schemas.openxmlformats.org/presentationml/2006/main">
   <p:cSld>
     <p:bg>
       <p:bgPr>
@@ -5432,7 +5205,14 @@
         <p:cNvGrpSpPr/>
         <p:nvPr/>
       </p:nvGrpSpPr>
-      <p:grpSpPr/>
+      <p:grpSpPr>
+        <a:xfrm>
+          <a:off x="0" y="0"/>
+          <a:ext cx="0" cy="0"/>
+          <a:chOff x="0" y="0"/>
+          <a:chExt cx="0" cy="0"/>
+        </a:xfrm>
+      </p:grpSpPr>
       <p:sp>
         <p:nvSpPr>
           <p:cNvPr id="2" name="Rectangle 1"/>
@@ -5473,6 +5253,7 @@
           <a:lstStyle/>
           <a:p>
             <a:pPr algn="ctr"/>
+            <a:endParaRPr/>
           </a:p>
         </p:txBody>
       </p:sp>
@@ -5516,6 +5297,7 @@
           <a:lstStyle/>
           <a:p>
             <a:pPr algn="ctr"/>
+            <a:endParaRPr/>
           </a:p>
         </p:txBody>
       </p:sp>
@@ -5703,6 +5485,7 @@
           <a:lstStyle/>
           <a:p>
             <a:pPr algn="ctr"/>
+            <a:endParaRPr/>
           </a:p>
         </p:txBody>
       </p:sp>
@@ -5715,7 +5498,7 @@
 </file>
 
 <file path=ppt/slides/slide10.xml><?xml version="1.0" encoding="utf-8"?>
-<p:sld xmlns:a="http://schemas.openxmlformats.org/drawingml/2006/main" xmlns:p="http://schemas.openxmlformats.org/presentationml/2006/main" xmlns:r="http://schemas.openxmlformats.org/officeDocument/2006/relationships">
+<p:sld xmlns:a="http://schemas.openxmlformats.org/drawingml/2006/main" xmlns:r="http://schemas.openxmlformats.org/officeDocument/2006/relationships" xmlns:p="http://schemas.openxmlformats.org/presentationml/2006/main">
   <p:cSld>
     <p:bg>
       <p:bgPr>
@@ -5731,7 +5514,14 @@
         <p:cNvGrpSpPr/>
         <p:nvPr/>
       </p:nvGrpSpPr>
-      <p:grpSpPr/>
+      <p:grpSpPr>
+        <a:xfrm>
+          <a:off x="0" y="0"/>
+          <a:ext cx="0" cy="0"/>
+          <a:chOff x="0" y="0"/>
+          <a:chExt cx="0" cy="0"/>
+        </a:xfrm>
+      </p:grpSpPr>
       <p:sp>
         <p:nvSpPr>
           <p:cNvPr id="2" name="Rectangle 1"/>
@@ -5772,6 +5562,7 @@
           <a:lstStyle/>
           <a:p>
             <a:pPr algn="ctr"/>
+            <a:endParaRPr/>
           </a:p>
         </p:txBody>
       </p:sp>
@@ -5892,7 +5683,7 @@
 </file>
 
 <file path=ppt/slides/slide11.xml><?xml version="1.0" encoding="utf-8"?>
-<p:sld xmlns:a="http://schemas.openxmlformats.org/drawingml/2006/main" xmlns:p="http://schemas.openxmlformats.org/presentationml/2006/main" xmlns:r="http://schemas.openxmlformats.org/officeDocument/2006/relationships">
+<p:sld xmlns:a="http://schemas.openxmlformats.org/drawingml/2006/main" xmlns:r="http://schemas.openxmlformats.org/officeDocument/2006/relationships" xmlns:p="http://schemas.openxmlformats.org/presentationml/2006/main">
   <p:cSld>
     <p:bg>
       <p:bgPr>
@@ -5908,7 +5699,14 @@
         <p:cNvGrpSpPr/>
         <p:nvPr/>
       </p:nvGrpSpPr>
-      <p:grpSpPr/>
+      <p:grpSpPr>
+        <a:xfrm>
+          <a:off x="0" y="0"/>
+          <a:ext cx="0" cy="0"/>
+          <a:chOff x="0" y="0"/>
+          <a:chExt cx="0" cy="0"/>
+        </a:xfrm>
+      </p:grpSpPr>
       <p:sp>
         <p:nvSpPr>
           <p:cNvPr id="2" name="Rectangle 1"/>
@@ -5949,6 +5747,7 @@
           <a:lstStyle/>
           <a:p>
             <a:pPr algn="ctr"/>
+            <a:endParaRPr/>
           </a:p>
         </p:txBody>
       </p:sp>
@@ -6067,6 +5866,7 @@
           <a:lstStyle/>
           <a:p>
             <a:pPr algn="ctr"/>
+            <a:endParaRPr/>
           </a:p>
         </p:txBody>
       </p:sp>
@@ -6110,6 +5910,7 @@
           <a:lstStyle/>
           <a:p>
             <a:pPr algn="ctr"/>
+            <a:endParaRPr/>
           </a:p>
         </p:txBody>
       </p:sp>
@@ -6351,6 +6152,7 @@
           <a:lstStyle/>
           <a:p>
             <a:pPr algn="ctr"/>
+            <a:endParaRPr/>
           </a:p>
         </p:txBody>
       </p:sp>
@@ -6394,6 +6196,7 @@
           <a:lstStyle/>
           <a:p>
             <a:pPr algn="ctr"/>
+            <a:endParaRPr/>
           </a:p>
         </p:txBody>
       </p:sp>
@@ -6635,6 +6438,7 @@
           <a:lstStyle/>
           <a:p>
             <a:pPr algn="ctr"/>
+            <a:endParaRPr/>
           </a:p>
         </p:txBody>
       </p:sp>
@@ -6678,6 +6482,7 @@
           <a:lstStyle/>
           <a:p>
             <a:pPr algn="ctr"/>
+            <a:endParaRPr/>
           </a:p>
         </p:txBody>
       </p:sp>
@@ -6882,6 +6687,7 @@
           <a:lstStyle/>
           <a:p>
             <a:pPr algn="ctr"/>
+            <a:endParaRPr/>
           </a:p>
         </p:txBody>
       </p:sp>
@@ -6961,6 +6767,7 @@
           <a:lstStyle/>
           <a:p>
             <a:pPr algn="ctr"/>
+            <a:endParaRPr/>
           </a:p>
         </p:txBody>
       </p:sp>
@@ -7045,7 +6852,7 @@
 </file>
 
 <file path=ppt/slides/slide12.xml><?xml version="1.0" encoding="utf-8"?>
-<p:sld xmlns:a="http://schemas.openxmlformats.org/drawingml/2006/main" xmlns:p="http://schemas.openxmlformats.org/presentationml/2006/main" xmlns:r="http://schemas.openxmlformats.org/officeDocument/2006/relationships">
+<p:sld xmlns:a="http://schemas.openxmlformats.org/drawingml/2006/main" xmlns:r="http://schemas.openxmlformats.org/officeDocument/2006/relationships" xmlns:p="http://schemas.openxmlformats.org/presentationml/2006/main">
   <p:cSld>
     <p:bg>
       <p:bgPr>
@@ -7061,7 +6868,14 @@
         <p:cNvGrpSpPr/>
         <p:nvPr/>
       </p:nvGrpSpPr>
-      <p:grpSpPr/>
+      <p:grpSpPr>
+        <a:xfrm>
+          <a:off x="0" y="0"/>
+          <a:ext cx="0" cy="0"/>
+          <a:chOff x="0" y="0"/>
+          <a:chExt cx="0" cy="0"/>
+        </a:xfrm>
+      </p:grpSpPr>
       <p:sp>
         <p:nvSpPr>
           <p:cNvPr id="2" name="Rectangle 1"/>
@@ -7102,6 +6916,7 @@
           <a:lstStyle/>
           <a:p>
             <a:pPr algn="ctr"/>
+            <a:endParaRPr/>
           </a:p>
         </p:txBody>
       </p:sp>
@@ -7184,6 +6999,7 @@
           <a:lstStyle/>
           <a:p>
             <a:pPr algn="ctr"/>
+            <a:endParaRPr/>
           </a:p>
         </p:txBody>
       </p:sp>
@@ -7227,6 +7043,7 @@
           <a:lstStyle/>
           <a:p>
             <a:pPr algn="ctr"/>
+            <a:endParaRPr/>
           </a:p>
         </p:txBody>
       </p:sp>
@@ -7412,6 +7229,7 @@
           <a:lstStyle/>
           <a:p>
             <a:pPr algn="ctr"/>
+            <a:endParaRPr/>
           </a:p>
         </p:txBody>
       </p:sp>
@@ -7455,6 +7273,7 @@
           <a:lstStyle/>
           <a:p>
             <a:pPr algn="ctr"/>
+            <a:endParaRPr/>
           </a:p>
         </p:txBody>
       </p:sp>
@@ -7637,6 +7456,7 @@
           <a:lstStyle/>
           <a:p>
             <a:pPr algn="ctr"/>
+            <a:endParaRPr/>
           </a:p>
         </p:txBody>
       </p:sp>
@@ -7721,7 +7541,7 @@
 </file>
 
 <file path=ppt/slides/slide13.xml><?xml version="1.0" encoding="utf-8"?>
-<p:sld xmlns:a="http://schemas.openxmlformats.org/drawingml/2006/main" xmlns:p="http://schemas.openxmlformats.org/presentationml/2006/main" xmlns:r="http://schemas.openxmlformats.org/officeDocument/2006/relationships">
+<p:sld xmlns:a="http://schemas.openxmlformats.org/drawingml/2006/main" xmlns:r="http://schemas.openxmlformats.org/officeDocument/2006/relationships" xmlns:p="http://schemas.openxmlformats.org/presentationml/2006/main">
   <p:cSld>
     <p:bg>
       <p:bgPr>
@@ -7737,7 +7557,14 @@
         <p:cNvGrpSpPr/>
         <p:nvPr/>
       </p:nvGrpSpPr>
-      <p:grpSpPr/>
+      <p:grpSpPr>
+        <a:xfrm>
+          <a:off x="0" y="0"/>
+          <a:ext cx="0" cy="0"/>
+          <a:chOff x="0" y="0"/>
+          <a:chExt cx="0" cy="0"/>
+        </a:xfrm>
+      </p:grpSpPr>
       <p:sp>
         <p:nvSpPr>
           <p:cNvPr id="2" name="Rectangle 1"/>
@@ -7778,6 +7605,7 @@
           <a:lstStyle/>
           <a:p>
             <a:pPr algn="ctr"/>
+            <a:endParaRPr/>
           </a:p>
         </p:txBody>
       </p:sp>
@@ -7896,6 +7724,7 @@
           <a:lstStyle/>
           <a:p>
             <a:pPr algn="ctr"/>
+            <a:endParaRPr/>
           </a:p>
         </p:txBody>
       </p:sp>
@@ -7939,6 +7768,7 @@
           <a:lstStyle/>
           <a:p>
             <a:pPr algn="ctr"/>
+            <a:endParaRPr/>
           </a:p>
         </p:txBody>
       </p:sp>
@@ -8124,6 +7954,7 @@
           <a:lstStyle/>
           <a:p>
             <a:pPr algn="ctr"/>
+            <a:endParaRPr/>
           </a:p>
         </p:txBody>
       </p:sp>
@@ -8167,6 +7998,7 @@
           <a:lstStyle/>
           <a:p>
             <a:pPr algn="ctr"/>
+            <a:endParaRPr/>
           </a:p>
         </p:txBody>
       </p:sp>
@@ -8336,6 +8168,7 @@
           <a:lstStyle/>
           <a:p>
             <a:pPr algn="ctr"/>
+            <a:endParaRPr/>
           </a:p>
         </p:txBody>
       </p:sp>
@@ -8379,6 +8212,7 @@
           <a:lstStyle/>
           <a:p>
             <a:pPr algn="ctr"/>
+            <a:endParaRPr/>
           </a:p>
         </p:txBody>
       </p:sp>
@@ -8547,6 +8381,7 @@
           <a:lstStyle/>
           <a:p>
             <a:pPr algn="ctr"/>
+            <a:endParaRPr/>
           </a:p>
         </p:txBody>
       </p:sp>
@@ -8626,6 +8461,7 @@
           <a:lstStyle/>
           <a:p>
             <a:pPr algn="ctr"/>
+            <a:endParaRPr/>
           </a:p>
         </p:txBody>
       </p:sp>
@@ -8710,7 +8546,7 @@
 </file>
 
 <file path=ppt/slides/slide14.xml><?xml version="1.0" encoding="utf-8"?>
-<p:sld xmlns:a="http://schemas.openxmlformats.org/drawingml/2006/main" xmlns:p="http://schemas.openxmlformats.org/presentationml/2006/main" xmlns:r="http://schemas.openxmlformats.org/officeDocument/2006/relationships">
+<p:sld xmlns:a="http://schemas.openxmlformats.org/drawingml/2006/main" xmlns:r="http://schemas.openxmlformats.org/officeDocument/2006/relationships" xmlns:p="http://schemas.openxmlformats.org/presentationml/2006/main">
   <p:cSld>
     <p:bg>
       <p:bgPr>
@@ -8726,7 +8562,14 @@
         <p:cNvGrpSpPr/>
         <p:nvPr/>
       </p:nvGrpSpPr>
-      <p:grpSpPr/>
+      <p:grpSpPr>
+        <a:xfrm>
+          <a:off x="0" y="0"/>
+          <a:ext cx="0" cy="0"/>
+          <a:chOff x="0" y="0"/>
+          <a:chExt cx="0" cy="0"/>
+        </a:xfrm>
+      </p:grpSpPr>
       <p:sp>
         <p:nvSpPr>
           <p:cNvPr id="2" name="Rectangle 1"/>
@@ -8767,6 +8610,7 @@
           <a:lstStyle/>
           <a:p>
             <a:pPr algn="ctr"/>
+            <a:endParaRPr/>
           </a:p>
         </p:txBody>
       </p:sp>
@@ -8849,6 +8693,7 @@
           <a:lstStyle/>
           <a:p>
             <a:pPr algn="ctr"/>
+            <a:endParaRPr/>
           </a:p>
         </p:txBody>
       </p:sp>
@@ -8892,6 +8737,7 @@
           <a:lstStyle/>
           <a:p>
             <a:pPr algn="ctr"/>
+            <a:endParaRPr/>
           </a:p>
         </p:txBody>
       </p:sp>
@@ -9061,6 +8907,7 @@
           <a:lstStyle/>
           <a:p>
             <a:pPr algn="ctr"/>
+            <a:endParaRPr/>
           </a:p>
         </p:txBody>
       </p:sp>
@@ -9104,6 +8951,7 @@
           <a:lstStyle/>
           <a:p>
             <a:pPr algn="ctr"/>
+            <a:endParaRPr/>
           </a:p>
         </p:txBody>
       </p:sp>
@@ -9273,6 +9121,7 @@
           <a:lstStyle/>
           <a:p>
             <a:pPr algn="ctr"/>
+            <a:endParaRPr/>
           </a:p>
         </p:txBody>
       </p:sp>
@@ -9316,6 +9165,7 @@
           <a:lstStyle/>
           <a:p>
             <a:pPr algn="ctr"/>
+            <a:endParaRPr/>
           </a:p>
         </p:txBody>
       </p:sp>
@@ -9484,6 +9334,7 @@
           <a:lstStyle/>
           <a:p>
             <a:pPr algn="ctr"/>
+            <a:endParaRPr/>
           </a:p>
         </p:txBody>
       </p:sp>
@@ -9563,6 +9414,7 @@
           <a:lstStyle/>
           <a:p>
             <a:pPr algn="ctr"/>
+            <a:endParaRPr/>
           </a:p>
         </p:txBody>
       </p:sp>
@@ -9647,7 +9499,7 @@
 </file>
 
 <file path=ppt/slides/slide15.xml><?xml version="1.0" encoding="utf-8"?>
-<p:sld xmlns:a="http://schemas.openxmlformats.org/drawingml/2006/main" xmlns:p="http://schemas.openxmlformats.org/presentationml/2006/main" xmlns:r="http://schemas.openxmlformats.org/officeDocument/2006/relationships">
+<p:sld xmlns:a="http://schemas.openxmlformats.org/drawingml/2006/main" xmlns:r="http://schemas.openxmlformats.org/officeDocument/2006/relationships" xmlns:p="http://schemas.openxmlformats.org/presentationml/2006/main">
   <p:cSld>
     <p:bg>
       <p:bgPr>
@@ -9663,7 +9515,14 @@
         <p:cNvGrpSpPr/>
         <p:nvPr/>
       </p:nvGrpSpPr>
-      <p:grpSpPr/>
+      <p:grpSpPr>
+        <a:xfrm>
+          <a:off x="0" y="0"/>
+          <a:ext cx="0" cy="0"/>
+          <a:chOff x="0" y="0"/>
+          <a:chExt cx="0" cy="0"/>
+        </a:xfrm>
+      </p:grpSpPr>
       <p:sp>
         <p:nvSpPr>
           <p:cNvPr id="2" name="Rectangle 1"/>
@@ -9704,6 +9563,7 @@
           <a:lstStyle/>
           <a:p>
             <a:pPr algn="ctr"/>
+            <a:endParaRPr/>
           </a:p>
         </p:txBody>
       </p:sp>
@@ -9786,6 +9646,7 @@
           <a:lstStyle/>
           <a:p>
             <a:pPr algn="ctr"/>
+            <a:endParaRPr/>
           </a:p>
         </p:txBody>
       </p:sp>
@@ -9944,6 +9805,7 @@
           <a:lstStyle/>
           <a:p>
             <a:pPr algn="ctr"/>
+            <a:endParaRPr/>
           </a:p>
         </p:txBody>
       </p:sp>
@@ -10102,6 +9964,7 @@
           <a:lstStyle/>
           <a:p>
             <a:pPr algn="ctr"/>
+            <a:endParaRPr/>
           </a:p>
         </p:txBody>
       </p:sp>
@@ -10260,6 +10123,7 @@
           <a:lstStyle/>
           <a:p>
             <a:pPr algn="ctr"/>
+            <a:endParaRPr/>
           </a:p>
         </p:txBody>
       </p:sp>
@@ -10418,6 +10282,7 @@
           <a:lstStyle/>
           <a:p>
             <a:pPr algn="ctr"/>
+            <a:endParaRPr/>
           </a:p>
         </p:txBody>
       </p:sp>
@@ -10576,6 +10441,7 @@
           <a:lstStyle/>
           <a:p>
             <a:pPr algn="ctr"/>
+            <a:endParaRPr/>
           </a:p>
         </p:txBody>
       </p:sp>
@@ -10731,6 +10597,7 @@
           <a:lstStyle/>
           <a:p>
             <a:pPr algn="ctr"/>
+            <a:endParaRPr/>
           </a:p>
         </p:txBody>
       </p:sp>
@@ -10815,7 +10682,7 @@
 </file>
 
 <file path=ppt/slides/slide16.xml><?xml version="1.0" encoding="utf-8"?>
-<p:sld xmlns:a="http://schemas.openxmlformats.org/drawingml/2006/main" xmlns:p="http://schemas.openxmlformats.org/presentationml/2006/main" xmlns:r="http://schemas.openxmlformats.org/officeDocument/2006/relationships">
+<p:sld xmlns:a="http://schemas.openxmlformats.org/drawingml/2006/main" xmlns:r="http://schemas.openxmlformats.org/officeDocument/2006/relationships" xmlns:p="http://schemas.openxmlformats.org/presentationml/2006/main">
   <p:cSld>
     <p:bg>
       <p:bgPr>
@@ -10831,7 +10698,14 @@
         <p:cNvGrpSpPr/>
         <p:nvPr/>
       </p:nvGrpSpPr>
-      <p:grpSpPr/>
+      <p:grpSpPr>
+        <a:xfrm>
+          <a:off x="0" y="0"/>
+          <a:ext cx="0" cy="0"/>
+          <a:chOff x="0" y="0"/>
+          <a:chExt cx="0" cy="0"/>
+        </a:xfrm>
+      </p:grpSpPr>
       <p:sp>
         <p:nvSpPr>
           <p:cNvPr id="2" name="Rectangle 1"/>
@@ -10872,6 +10746,7 @@
           <a:lstStyle/>
           <a:p>
             <a:pPr algn="ctr"/>
+            <a:endParaRPr/>
           </a:p>
         </p:txBody>
       </p:sp>
@@ -10992,7 +10867,7 @@
 </file>
 
 <file path=ppt/slides/slide17.xml><?xml version="1.0" encoding="utf-8"?>
-<p:sld xmlns:a="http://schemas.openxmlformats.org/drawingml/2006/main" xmlns:p="http://schemas.openxmlformats.org/presentationml/2006/main" xmlns:r="http://schemas.openxmlformats.org/officeDocument/2006/relationships">
+<p:sld xmlns:a="http://schemas.openxmlformats.org/drawingml/2006/main" xmlns:r="http://schemas.openxmlformats.org/officeDocument/2006/relationships" xmlns:p="http://schemas.openxmlformats.org/presentationml/2006/main">
   <p:cSld>
     <p:bg>
       <p:bgPr>
@@ -11008,7 +10883,14 @@
         <p:cNvGrpSpPr/>
         <p:nvPr/>
       </p:nvGrpSpPr>
-      <p:grpSpPr/>
+      <p:grpSpPr>
+        <a:xfrm>
+          <a:off x="0" y="0"/>
+          <a:ext cx="0" cy="0"/>
+          <a:chOff x="0" y="0"/>
+          <a:chExt cx="0" cy="0"/>
+        </a:xfrm>
+      </p:grpSpPr>
       <p:sp>
         <p:nvSpPr>
           <p:cNvPr id="2" name="Rectangle 1"/>
@@ -11049,6 +10931,7 @@
           <a:lstStyle/>
           <a:p>
             <a:pPr algn="ctr"/>
+            <a:endParaRPr/>
           </a:p>
         </p:txBody>
       </p:sp>
@@ -11167,6 +11050,7 @@
           <a:lstStyle/>
           <a:p>
             <a:pPr algn="ctr"/>
+            <a:endParaRPr/>
           </a:p>
         </p:txBody>
       </p:sp>
@@ -11210,6 +11094,7 @@
           <a:lstStyle/>
           <a:p>
             <a:pPr algn="ctr"/>
+            <a:endParaRPr/>
           </a:p>
         </p:txBody>
       </p:sp>
@@ -11251,7 +11136,7 @@
           </a:fontRef>
         </p:style>
         <p:txBody>
-          <a:bodyPr rtlCol="0" anchor="ctr" wrap="none"/>
+          <a:bodyPr wrap="none" rtlCol="0" anchor="ctr"/>
           <a:lstStyle/>
           <a:p>
             <a:pPr algn="ctr">
@@ -11390,6 +11275,7 @@
           <a:lstStyle/>
           <a:p>
             <a:pPr algn="ctr"/>
+            <a:endParaRPr/>
           </a:p>
         </p:txBody>
       </p:sp>
@@ -11433,6 +11319,7 @@
           <a:lstStyle/>
           <a:p>
             <a:pPr algn="ctr"/>
+            <a:endParaRPr/>
           </a:p>
         </p:txBody>
       </p:sp>
@@ -11474,7 +11361,7 @@
           </a:fontRef>
         </p:style>
         <p:txBody>
-          <a:bodyPr rtlCol="0" anchor="ctr" wrap="none"/>
+          <a:bodyPr wrap="none" rtlCol="0" anchor="ctr"/>
           <a:lstStyle/>
           <a:p>
             <a:pPr algn="ctr">
@@ -11613,6 +11500,7 @@
           <a:lstStyle/>
           <a:p>
             <a:pPr algn="ctr"/>
+            <a:endParaRPr/>
           </a:p>
         </p:txBody>
       </p:sp>
@@ -11656,6 +11544,7 @@
           <a:lstStyle/>
           <a:p>
             <a:pPr algn="ctr"/>
+            <a:endParaRPr/>
           </a:p>
         </p:txBody>
       </p:sp>
@@ -11697,7 +11586,7 @@
           </a:fontRef>
         </p:style>
         <p:txBody>
-          <a:bodyPr rtlCol="0" anchor="ctr" wrap="none"/>
+          <a:bodyPr wrap="none" rtlCol="0" anchor="ctr"/>
           <a:lstStyle/>
           <a:p>
             <a:pPr algn="ctr">
@@ -11836,6 +11725,7 @@
           <a:lstStyle/>
           <a:p>
             <a:pPr algn="ctr"/>
+            <a:endParaRPr/>
           </a:p>
         </p:txBody>
       </p:sp>
@@ -11879,6 +11769,7 @@
           <a:lstStyle/>
           <a:p>
             <a:pPr algn="ctr"/>
+            <a:endParaRPr/>
           </a:p>
         </p:txBody>
       </p:sp>
@@ -11920,7 +11811,7 @@
           </a:fontRef>
         </p:style>
         <p:txBody>
-          <a:bodyPr rtlCol="0" anchor="ctr" wrap="none"/>
+          <a:bodyPr wrap="none" rtlCol="0" anchor="ctr"/>
           <a:lstStyle/>
           <a:p>
             <a:pPr algn="ctr">
@@ -12056,6 +11947,7 @@
           <a:lstStyle/>
           <a:p>
             <a:pPr algn="ctr"/>
+            <a:endParaRPr/>
           </a:p>
         </p:txBody>
       </p:sp>
@@ -12140,7 +12032,7 @@
 </file>
 
 <file path=ppt/slides/slide18.xml><?xml version="1.0" encoding="utf-8"?>
-<p:sld xmlns:a="http://schemas.openxmlformats.org/drawingml/2006/main" xmlns:p="http://schemas.openxmlformats.org/presentationml/2006/main" xmlns:r="http://schemas.openxmlformats.org/officeDocument/2006/relationships">
+<p:sld xmlns:a="http://schemas.openxmlformats.org/drawingml/2006/main" xmlns:r="http://schemas.openxmlformats.org/officeDocument/2006/relationships" xmlns:p="http://schemas.openxmlformats.org/presentationml/2006/main">
   <p:cSld>
     <p:bg>
       <p:bgPr>
@@ -12156,7 +12048,14 @@
         <p:cNvGrpSpPr/>
         <p:nvPr/>
       </p:nvGrpSpPr>
-      <p:grpSpPr/>
+      <p:grpSpPr>
+        <a:xfrm>
+          <a:off x="0" y="0"/>
+          <a:ext cx="0" cy="0"/>
+          <a:chOff x="0" y="0"/>
+          <a:chExt cx="0" cy="0"/>
+        </a:xfrm>
+      </p:grpSpPr>
       <p:sp>
         <p:nvSpPr>
           <p:cNvPr id="2" name="Rectangle 1"/>
@@ -12197,6 +12096,7 @@
           <a:lstStyle/>
           <a:p>
             <a:pPr algn="ctr"/>
+            <a:endParaRPr/>
           </a:p>
         </p:txBody>
       </p:sp>
@@ -12279,6 +12179,7 @@
           <a:lstStyle/>
           <a:p>
             <a:pPr algn="ctr"/>
+            <a:endParaRPr/>
           </a:p>
         </p:txBody>
       </p:sp>
@@ -12322,6 +12223,7 @@
           <a:lstStyle/>
           <a:p>
             <a:pPr algn="ctr"/>
+            <a:endParaRPr/>
           </a:p>
         </p:txBody>
       </p:sp>
@@ -12507,6 +12409,7 @@
           <a:lstStyle/>
           <a:p>
             <a:pPr algn="ctr"/>
+            <a:endParaRPr/>
           </a:p>
         </p:txBody>
       </p:sp>
@@ -12550,6 +12453,7 @@
           <a:lstStyle/>
           <a:p>
             <a:pPr algn="ctr"/>
+            <a:endParaRPr/>
           </a:p>
         </p:txBody>
       </p:sp>
@@ -12732,6 +12636,7 @@
           <a:lstStyle/>
           <a:p>
             <a:pPr algn="ctr"/>
+            <a:endParaRPr/>
           </a:p>
         </p:txBody>
       </p:sp>
@@ -12816,7 +12721,7 @@
 </file>
 
 <file path=ppt/slides/slide19.xml><?xml version="1.0" encoding="utf-8"?>
-<p:sld xmlns:a="http://schemas.openxmlformats.org/drawingml/2006/main" xmlns:p="http://schemas.openxmlformats.org/presentationml/2006/main" xmlns:r="http://schemas.openxmlformats.org/officeDocument/2006/relationships">
+<p:sld xmlns:a="http://schemas.openxmlformats.org/drawingml/2006/main" xmlns:r="http://schemas.openxmlformats.org/officeDocument/2006/relationships" xmlns:p="http://schemas.openxmlformats.org/presentationml/2006/main">
   <p:cSld>
     <p:bg>
       <p:bgPr>
@@ -12832,7 +12737,14 @@
         <p:cNvGrpSpPr/>
         <p:nvPr/>
       </p:nvGrpSpPr>
-      <p:grpSpPr/>
+      <p:grpSpPr>
+        <a:xfrm>
+          <a:off x="0" y="0"/>
+          <a:ext cx="0" cy="0"/>
+          <a:chOff x="0" y="0"/>
+          <a:chExt cx="0" cy="0"/>
+        </a:xfrm>
+      </p:grpSpPr>
       <p:sp>
         <p:nvSpPr>
           <p:cNvPr id="2" name="Rectangle 1"/>
@@ -12873,6 +12785,7 @@
           <a:lstStyle/>
           <a:p>
             <a:pPr algn="ctr"/>
+            <a:endParaRPr/>
           </a:p>
         </p:txBody>
       </p:sp>
@@ -12991,6 +12904,7 @@
           <a:lstStyle/>
           <a:p>
             <a:pPr algn="ctr"/>
+            <a:endParaRPr/>
           </a:p>
         </p:txBody>
       </p:sp>
@@ -13034,6 +12948,7 @@
           <a:lstStyle/>
           <a:p>
             <a:pPr algn="ctr"/>
+            <a:endParaRPr/>
           </a:p>
         </p:txBody>
       </p:sp>
@@ -13075,7 +12990,7 @@
           </a:fontRef>
         </p:style>
         <p:txBody>
-          <a:bodyPr rtlCol="0" anchor="ctr" wrap="none"/>
+          <a:bodyPr wrap="none" rtlCol="0" anchor="ctr"/>
           <a:lstStyle/>
           <a:p>
             <a:pPr algn="ctr">
@@ -13218,6 +13133,7 @@
           <a:lstStyle/>
           <a:p>
             <a:pPr algn="ctr"/>
+            <a:endParaRPr/>
           </a:p>
         </p:txBody>
       </p:sp>
@@ -13261,6 +13177,7 @@
           <a:lstStyle/>
           <a:p>
             <a:pPr algn="ctr"/>
+            <a:endParaRPr/>
           </a:p>
         </p:txBody>
       </p:sp>
@@ -13302,7 +13219,7 @@
           </a:fontRef>
         </p:style>
         <p:txBody>
-          <a:bodyPr rtlCol="0" anchor="ctr" wrap="none"/>
+          <a:bodyPr wrap="none" rtlCol="0" anchor="ctr"/>
           <a:lstStyle/>
           <a:p>
             <a:pPr algn="ctr">
@@ -13445,6 +13362,7 @@
           <a:lstStyle/>
           <a:p>
             <a:pPr algn="ctr"/>
+            <a:endParaRPr/>
           </a:p>
         </p:txBody>
       </p:sp>
@@ -13488,6 +13406,7 @@
           <a:lstStyle/>
           <a:p>
             <a:pPr algn="ctr"/>
+            <a:endParaRPr/>
           </a:p>
         </p:txBody>
       </p:sp>
@@ -13529,7 +13448,7 @@
           </a:fontRef>
         </p:style>
         <p:txBody>
-          <a:bodyPr rtlCol="0" anchor="ctr" wrap="none"/>
+          <a:bodyPr wrap="none" rtlCol="0" anchor="ctr"/>
           <a:lstStyle/>
           <a:p>
             <a:pPr algn="ctr">
@@ -13672,6 +13591,7 @@
           <a:lstStyle/>
           <a:p>
             <a:pPr algn="ctr"/>
+            <a:endParaRPr/>
           </a:p>
         </p:txBody>
       </p:sp>
@@ -13715,6 +13635,7 @@
           <a:lstStyle/>
           <a:p>
             <a:pPr algn="ctr"/>
+            <a:endParaRPr/>
           </a:p>
         </p:txBody>
       </p:sp>
@@ -13756,7 +13677,7 @@
           </a:fontRef>
         </p:style>
         <p:txBody>
-          <a:bodyPr rtlCol="0" anchor="ctr" wrap="none"/>
+          <a:bodyPr wrap="none" rtlCol="0" anchor="ctr"/>
           <a:lstStyle/>
           <a:p>
             <a:pPr algn="ctr">
@@ -13898,6 +13819,7 @@
           <a:lstStyle/>
           <a:p>
             <a:pPr algn="ctr"/>
+            <a:endParaRPr/>
           </a:p>
         </p:txBody>
       </p:sp>
@@ -13977,6 +13899,7 @@
           <a:lstStyle/>
           <a:p>
             <a:pPr algn="ctr"/>
+            <a:endParaRPr/>
           </a:p>
         </p:txBody>
       </p:sp>
@@ -14061,7 +13984,7 @@
 </file>
 
 <file path=ppt/slides/slide2.xml><?xml version="1.0" encoding="utf-8"?>
-<p:sld xmlns:a="http://schemas.openxmlformats.org/drawingml/2006/main" xmlns:p="http://schemas.openxmlformats.org/presentationml/2006/main" xmlns:r="http://schemas.openxmlformats.org/officeDocument/2006/relationships">
+<p:sld xmlns:a="http://schemas.openxmlformats.org/drawingml/2006/main" xmlns:r="http://schemas.openxmlformats.org/officeDocument/2006/relationships" xmlns:p="http://schemas.openxmlformats.org/presentationml/2006/main">
   <p:cSld>
     <p:bg>
       <p:bgPr>
@@ -14077,7 +14000,14 @@
         <p:cNvGrpSpPr/>
         <p:nvPr/>
       </p:nvGrpSpPr>
-      <p:grpSpPr/>
+      <p:grpSpPr>
+        <a:xfrm>
+          <a:off x="0" y="0"/>
+          <a:ext cx="0" cy="0"/>
+          <a:chOff x="0" y="0"/>
+          <a:chExt cx="0" cy="0"/>
+        </a:xfrm>
+      </p:grpSpPr>
       <p:sp>
         <p:nvSpPr>
           <p:cNvPr id="2" name="Rectangle 1"/>
@@ -14118,6 +14048,7 @@
           <a:lstStyle/>
           <a:p>
             <a:pPr algn="ctr"/>
+            <a:endParaRPr/>
           </a:p>
         </p:txBody>
       </p:sp>
@@ -14236,6 +14167,7 @@
           <a:lstStyle/>
           <a:p>
             <a:pPr algn="ctr"/>
+            <a:endParaRPr/>
           </a:p>
         </p:txBody>
       </p:sp>
@@ -14284,7 +14216,7 @@
         <p:spPr>
           <a:xfrm>
             <a:off x="1005840" y="2468880"/>
-            <a:ext cx="2011680" cy="731520"/>
+            <a:ext cx="2011680" cy="523220"/>
           </a:xfrm>
           <a:prstGeom prst="rect">
             <a:avLst/>
@@ -14306,6 +14238,7 @@
               </a:defRPr>
             </a:pPr>
             <a:r>
+              <a:rPr sz="2800" dirty="0"/>
               <a:t>Consistent</a:t>
             </a:r>
           </a:p>
@@ -14387,6 +14320,7 @@
           <a:lstStyle/>
           <a:p>
             <a:pPr algn="ctr"/>
+            <a:endParaRPr/>
           </a:p>
         </p:txBody>
       </p:sp>
@@ -14473,6 +14407,7 @@
           <a:lstStyle/>
           <a:p>
             <a:pPr algn="ctr"/>
+            <a:endParaRPr/>
           </a:p>
         </p:txBody>
       </p:sp>
@@ -14521,7 +14456,7 @@
         <p:spPr>
           <a:xfrm>
             <a:off x="3840480" y="2468880"/>
-            <a:ext cx="2011680" cy="731520"/>
+            <a:ext cx="2011680" cy="523220"/>
           </a:xfrm>
           <a:prstGeom prst="rect">
             <a:avLst/>
@@ -14543,6 +14478,7 @@
               </a:defRPr>
             </a:pPr>
             <a:r>
+              <a:rPr sz="2800" dirty="0"/>
               <a:t>Better</a:t>
             </a:r>
           </a:p>
@@ -14624,6 +14560,7 @@
           <a:lstStyle/>
           <a:p>
             <a:pPr algn="ctr"/>
+            <a:endParaRPr/>
           </a:p>
         </p:txBody>
       </p:sp>
@@ -14710,6 +14647,7 @@
           <a:lstStyle/>
           <a:p>
             <a:pPr algn="ctr"/>
+            <a:endParaRPr/>
           </a:p>
         </p:txBody>
       </p:sp>
@@ -14758,7 +14696,7 @@
         <p:spPr>
           <a:xfrm>
             <a:off x="6675120" y="2468880"/>
-            <a:ext cx="2011680" cy="731520"/>
+            <a:ext cx="2011680" cy="523220"/>
           </a:xfrm>
           <a:prstGeom prst="rect">
             <a:avLst/>
@@ -14780,6 +14718,7 @@
               </a:defRPr>
             </a:pPr>
             <a:r>
+              <a:rPr sz="2800" dirty="0"/>
               <a:t>Reliable</a:t>
             </a:r>
           </a:p>
@@ -14861,6 +14800,7 @@
           <a:lstStyle/>
           <a:p>
             <a:pPr algn="ctr"/>
+            <a:endParaRPr/>
           </a:p>
         </p:txBody>
       </p:sp>
@@ -14947,6 +14887,7 @@
           <a:lstStyle/>
           <a:p>
             <a:pPr algn="ctr"/>
+            <a:endParaRPr/>
           </a:p>
         </p:txBody>
       </p:sp>
@@ -14995,7 +14936,7 @@
         <p:spPr>
           <a:xfrm>
             <a:off x="9509760" y="2468880"/>
-            <a:ext cx="2011680" cy="731520"/>
+            <a:ext cx="2011680" cy="523220"/>
           </a:xfrm>
           <a:prstGeom prst="rect">
             <a:avLst/>
@@ -15017,6 +14958,7 @@
               </a:defRPr>
             </a:pPr>
             <a:r>
+              <a:rPr sz="2800" dirty="0"/>
               <a:t>Stronger</a:t>
             </a:r>
           </a:p>
@@ -15098,6 +15040,7 @@
           <a:lstStyle/>
           <a:p>
             <a:pPr algn="ctr"/>
+            <a:endParaRPr/>
           </a:p>
         </p:txBody>
       </p:sp>
@@ -15181,6 +15124,7 @@
           <a:lstStyle/>
           <a:p>
             <a:pPr algn="ctr"/>
+            <a:endParaRPr/>
           </a:p>
         </p:txBody>
       </p:sp>
@@ -15265,7 +15209,7 @@
 </file>
 
 <file path=ppt/slides/slide20.xml><?xml version="1.0" encoding="utf-8"?>
-<p:sld xmlns:a="http://schemas.openxmlformats.org/drawingml/2006/main" xmlns:p="http://schemas.openxmlformats.org/presentationml/2006/main" xmlns:r="http://schemas.openxmlformats.org/officeDocument/2006/relationships">
+<p:sld xmlns:a="http://schemas.openxmlformats.org/drawingml/2006/main" xmlns:r="http://schemas.openxmlformats.org/officeDocument/2006/relationships" xmlns:p="http://schemas.openxmlformats.org/presentationml/2006/main">
   <p:cSld>
     <p:bg>
       <p:bgPr>
@@ -15281,7 +15225,14 @@
         <p:cNvGrpSpPr/>
         <p:nvPr/>
       </p:nvGrpSpPr>
-      <p:grpSpPr/>
+      <p:grpSpPr>
+        <a:xfrm>
+          <a:off x="0" y="0"/>
+          <a:ext cx="0" cy="0"/>
+          <a:chOff x="0" y="0"/>
+          <a:chExt cx="0" cy="0"/>
+        </a:xfrm>
+      </p:grpSpPr>
       <p:sp>
         <p:nvSpPr>
           <p:cNvPr id="2" name="Rectangle 1"/>
@@ -15322,6 +15273,7 @@
           <a:lstStyle/>
           <a:p>
             <a:pPr algn="ctr"/>
+            <a:endParaRPr/>
           </a:p>
         </p:txBody>
       </p:sp>
@@ -15442,7 +15394,7 @@
 </file>
 
 <file path=ppt/slides/slide21.xml><?xml version="1.0" encoding="utf-8"?>
-<p:sld xmlns:a="http://schemas.openxmlformats.org/drawingml/2006/main" xmlns:p="http://schemas.openxmlformats.org/presentationml/2006/main" xmlns:r="http://schemas.openxmlformats.org/officeDocument/2006/relationships">
+<p:sld xmlns:a="http://schemas.openxmlformats.org/drawingml/2006/main" xmlns:r="http://schemas.openxmlformats.org/officeDocument/2006/relationships" xmlns:p="http://schemas.openxmlformats.org/presentationml/2006/main">
   <p:cSld>
     <p:bg>
       <p:bgPr>
@@ -15458,7 +15410,14 @@
         <p:cNvGrpSpPr/>
         <p:nvPr/>
       </p:nvGrpSpPr>
-      <p:grpSpPr/>
+      <p:grpSpPr>
+        <a:xfrm>
+          <a:off x="0" y="0"/>
+          <a:ext cx="0" cy="0"/>
+          <a:chOff x="0" y="0"/>
+          <a:chExt cx="0" cy="0"/>
+        </a:xfrm>
+      </p:grpSpPr>
       <p:sp>
         <p:nvSpPr>
           <p:cNvPr id="2" name="Rectangle 1"/>
@@ -15499,6 +15458,7 @@
           <a:lstStyle/>
           <a:p>
             <a:pPr algn="ctr"/>
+            <a:endParaRPr/>
           </a:p>
         </p:txBody>
       </p:sp>
@@ -15581,6 +15541,7 @@
           <a:lstStyle/>
           <a:p>
             <a:pPr algn="ctr"/>
+            <a:endParaRPr/>
           </a:p>
         </p:txBody>
       </p:sp>
@@ -15624,6 +15585,7 @@
           <a:lstStyle/>
           <a:p>
             <a:pPr algn="ctr"/>
+            <a:endParaRPr/>
           </a:p>
         </p:txBody>
       </p:sp>
@@ -15818,6 +15780,7 @@
           <a:lstStyle/>
           <a:p>
             <a:pPr algn="ctr"/>
+            <a:endParaRPr/>
           </a:p>
         </p:txBody>
       </p:sp>
@@ -15861,6 +15824,7 @@
           <a:lstStyle/>
           <a:p>
             <a:pPr algn="ctr"/>
+            <a:endParaRPr/>
           </a:p>
         </p:txBody>
       </p:sp>
@@ -16055,6 +16019,7 @@
           <a:lstStyle/>
           <a:p>
             <a:pPr algn="ctr"/>
+            <a:endParaRPr/>
           </a:p>
         </p:txBody>
       </p:sp>
@@ -16098,6 +16063,7 @@
           <a:lstStyle/>
           <a:p>
             <a:pPr algn="ctr"/>
+            <a:endParaRPr/>
           </a:p>
         </p:txBody>
       </p:sp>
@@ -16292,6 +16258,7 @@
           <a:lstStyle/>
           <a:p>
             <a:pPr algn="ctr"/>
+            <a:endParaRPr/>
           </a:p>
         </p:txBody>
       </p:sp>
@@ -16335,6 +16302,7 @@
           <a:lstStyle/>
           <a:p>
             <a:pPr algn="ctr"/>
+            <a:endParaRPr/>
           </a:p>
         </p:txBody>
       </p:sp>
@@ -16526,6 +16494,7 @@
           <a:lstStyle/>
           <a:p>
             <a:pPr algn="ctr"/>
+            <a:endParaRPr/>
           </a:p>
         </p:txBody>
       </p:sp>
@@ -16610,7 +16579,7 @@
 </file>
 
 <file path=ppt/slides/slide22.xml><?xml version="1.0" encoding="utf-8"?>
-<p:sld xmlns:a="http://schemas.openxmlformats.org/drawingml/2006/main" xmlns:p="http://schemas.openxmlformats.org/presentationml/2006/main" xmlns:r="http://schemas.openxmlformats.org/officeDocument/2006/relationships">
+<p:sld xmlns:a="http://schemas.openxmlformats.org/drawingml/2006/main" xmlns:r="http://schemas.openxmlformats.org/officeDocument/2006/relationships" xmlns:p="http://schemas.openxmlformats.org/presentationml/2006/main">
   <p:cSld>
     <p:bg>
       <p:bgPr>
@@ -16626,7 +16595,14 @@
         <p:cNvGrpSpPr/>
         <p:nvPr/>
       </p:nvGrpSpPr>
-      <p:grpSpPr/>
+      <p:grpSpPr>
+        <a:xfrm>
+          <a:off x="0" y="0"/>
+          <a:ext cx="0" cy="0"/>
+          <a:chOff x="0" y="0"/>
+          <a:chExt cx="0" cy="0"/>
+        </a:xfrm>
+      </p:grpSpPr>
       <p:sp>
         <p:nvSpPr>
           <p:cNvPr id="2" name="Rectangle 1"/>
@@ -16667,6 +16643,7 @@
           <a:lstStyle/>
           <a:p>
             <a:pPr algn="ctr"/>
+            <a:endParaRPr/>
           </a:p>
         </p:txBody>
       </p:sp>
@@ -16785,6 +16762,7 @@
           <a:lstStyle/>
           <a:p>
             <a:pPr algn="ctr"/>
+            <a:endParaRPr/>
           </a:p>
         </p:txBody>
       </p:sp>
@@ -16828,6 +16806,7 @@
           <a:lstStyle/>
           <a:p>
             <a:pPr algn="ctr"/>
+            <a:endParaRPr/>
           </a:p>
         </p:txBody>
       </p:sp>
@@ -17029,6 +17008,7 @@
           <a:lstStyle/>
           <a:p>
             <a:pPr algn="ctr"/>
+            <a:endParaRPr/>
           </a:p>
         </p:txBody>
       </p:sp>
@@ -17072,6 +17052,7 @@
           <a:lstStyle/>
           <a:p>
             <a:pPr algn="ctr"/>
+            <a:endParaRPr/>
           </a:p>
         </p:txBody>
       </p:sp>
@@ -17270,6 +17251,7 @@
           <a:lstStyle/>
           <a:p>
             <a:pPr algn="ctr"/>
+            <a:endParaRPr/>
           </a:p>
         </p:txBody>
       </p:sp>
@@ -17354,7 +17336,7 @@
 </file>
 
 <file path=ppt/slides/slide23.xml><?xml version="1.0" encoding="utf-8"?>
-<p:sld xmlns:a="http://schemas.openxmlformats.org/drawingml/2006/main" xmlns:p="http://schemas.openxmlformats.org/presentationml/2006/main" xmlns:r="http://schemas.openxmlformats.org/officeDocument/2006/relationships">
+<p:sld xmlns:a="http://schemas.openxmlformats.org/drawingml/2006/main" xmlns:r="http://schemas.openxmlformats.org/officeDocument/2006/relationships" xmlns:p="http://schemas.openxmlformats.org/presentationml/2006/main">
   <p:cSld>
     <p:bg>
       <p:bgPr>
@@ -17370,7 +17352,14 @@
         <p:cNvGrpSpPr/>
         <p:nvPr/>
       </p:nvGrpSpPr>
-      <p:grpSpPr/>
+      <p:grpSpPr>
+        <a:xfrm>
+          <a:off x="0" y="0"/>
+          <a:ext cx="0" cy="0"/>
+          <a:chOff x="0" y="0"/>
+          <a:chExt cx="0" cy="0"/>
+        </a:xfrm>
+      </p:grpSpPr>
       <p:sp>
         <p:nvSpPr>
           <p:cNvPr id="2" name="Rectangle 1"/>
@@ -17411,6 +17400,7 @@
           <a:lstStyle/>
           <a:p>
             <a:pPr algn="ctr"/>
+            <a:endParaRPr/>
           </a:p>
         </p:txBody>
       </p:sp>
@@ -17531,7 +17521,7 @@
 </file>
 
 <file path=ppt/slides/slide24.xml><?xml version="1.0" encoding="utf-8"?>
-<p:sld xmlns:a="http://schemas.openxmlformats.org/drawingml/2006/main" xmlns:p="http://schemas.openxmlformats.org/presentationml/2006/main" xmlns:r="http://schemas.openxmlformats.org/officeDocument/2006/relationships">
+<p:sld xmlns:a="http://schemas.openxmlformats.org/drawingml/2006/main" xmlns:r="http://schemas.openxmlformats.org/officeDocument/2006/relationships" xmlns:p="http://schemas.openxmlformats.org/presentationml/2006/main">
   <p:cSld>
     <p:bg>
       <p:bgPr>
@@ -17547,7 +17537,14 @@
         <p:cNvGrpSpPr/>
         <p:nvPr/>
       </p:nvGrpSpPr>
-      <p:grpSpPr/>
+      <p:grpSpPr>
+        <a:xfrm>
+          <a:off x="0" y="0"/>
+          <a:ext cx="0" cy="0"/>
+          <a:chOff x="0" y="0"/>
+          <a:chExt cx="0" cy="0"/>
+        </a:xfrm>
+      </p:grpSpPr>
       <p:sp>
         <p:nvSpPr>
           <p:cNvPr id="2" name="Rectangle 1"/>
@@ -17588,6 +17585,7 @@
           <a:lstStyle/>
           <a:p>
             <a:pPr algn="ctr"/>
+            <a:endParaRPr/>
           </a:p>
         </p:txBody>
       </p:sp>
@@ -17706,6 +17704,7 @@
           <a:lstStyle/>
           <a:p>
             <a:pPr algn="ctr"/>
+            <a:endParaRPr/>
           </a:p>
         </p:txBody>
       </p:sp>
@@ -17749,6 +17748,7 @@
           <a:lstStyle/>
           <a:p>
             <a:pPr algn="ctr"/>
+            <a:endParaRPr/>
           </a:p>
         </p:txBody>
       </p:sp>
@@ -17790,7 +17790,7 @@
           </a:fontRef>
         </p:style>
         <p:txBody>
-          <a:bodyPr rtlCol="0" anchor="ctr" wrap="none"/>
+          <a:bodyPr wrap="none" rtlCol="0" anchor="ctr"/>
           <a:lstStyle/>
           <a:p>
             <a:pPr algn="ctr">
@@ -17933,6 +17933,7 @@
           <a:lstStyle/>
           <a:p>
             <a:pPr algn="ctr"/>
+            <a:endParaRPr/>
           </a:p>
         </p:txBody>
       </p:sp>
@@ -17976,6 +17977,7 @@
           <a:lstStyle/>
           <a:p>
             <a:pPr algn="ctr"/>
+            <a:endParaRPr/>
           </a:p>
         </p:txBody>
       </p:sp>
@@ -18017,7 +18019,7 @@
           </a:fontRef>
         </p:style>
         <p:txBody>
-          <a:bodyPr rtlCol="0" anchor="ctr" wrap="none"/>
+          <a:bodyPr wrap="none" rtlCol="0" anchor="ctr"/>
           <a:lstStyle/>
           <a:p>
             <a:pPr algn="ctr">
@@ -18160,6 +18162,7 @@
           <a:lstStyle/>
           <a:p>
             <a:pPr algn="ctr"/>
+            <a:endParaRPr/>
           </a:p>
         </p:txBody>
       </p:sp>
@@ -18203,6 +18206,7 @@
           <a:lstStyle/>
           <a:p>
             <a:pPr algn="ctr"/>
+            <a:endParaRPr/>
           </a:p>
         </p:txBody>
       </p:sp>
@@ -18244,7 +18248,7 @@
           </a:fontRef>
         </p:style>
         <p:txBody>
-          <a:bodyPr rtlCol="0" anchor="ctr" wrap="none"/>
+          <a:bodyPr wrap="none" rtlCol="0" anchor="ctr"/>
           <a:lstStyle/>
           <a:p>
             <a:pPr algn="ctr">
@@ -18387,6 +18391,7 @@
           <a:lstStyle/>
           <a:p>
             <a:pPr algn="ctr"/>
+            <a:endParaRPr/>
           </a:p>
         </p:txBody>
       </p:sp>
@@ -18430,6 +18435,7 @@
           <a:lstStyle/>
           <a:p>
             <a:pPr algn="ctr"/>
+            <a:endParaRPr/>
           </a:p>
         </p:txBody>
       </p:sp>
@@ -18471,7 +18477,7 @@
           </a:fontRef>
         </p:style>
         <p:txBody>
-          <a:bodyPr rtlCol="0" anchor="ctr" wrap="none"/>
+          <a:bodyPr wrap="none" rtlCol="0" anchor="ctr"/>
           <a:lstStyle/>
           <a:p>
             <a:pPr algn="ctr">
@@ -18613,6 +18619,7 @@
           <a:lstStyle/>
           <a:p>
             <a:pPr algn="ctr"/>
+            <a:endParaRPr/>
           </a:p>
         </p:txBody>
       </p:sp>
@@ -18692,6 +18699,7 @@
           <a:lstStyle/>
           <a:p>
             <a:pPr algn="ctr"/>
+            <a:endParaRPr/>
           </a:p>
         </p:txBody>
       </p:sp>
@@ -18776,7 +18784,7 @@
 </file>
 
 <file path=ppt/slides/slide25.xml><?xml version="1.0" encoding="utf-8"?>
-<p:sld xmlns:a="http://schemas.openxmlformats.org/drawingml/2006/main" xmlns:p="http://schemas.openxmlformats.org/presentationml/2006/main" xmlns:r="http://schemas.openxmlformats.org/officeDocument/2006/relationships">
+<p:sld xmlns:a="http://schemas.openxmlformats.org/drawingml/2006/main" xmlns:r="http://schemas.openxmlformats.org/officeDocument/2006/relationships" xmlns:p="http://schemas.openxmlformats.org/presentationml/2006/main">
   <p:cSld>
     <p:bg>
       <p:bgPr>
@@ -18792,7 +18800,14 @@
         <p:cNvGrpSpPr/>
         <p:nvPr/>
       </p:nvGrpSpPr>
-      <p:grpSpPr/>
+      <p:grpSpPr>
+        <a:xfrm>
+          <a:off x="0" y="0"/>
+          <a:ext cx="0" cy="0"/>
+          <a:chOff x="0" y="0"/>
+          <a:chExt cx="0" cy="0"/>
+        </a:xfrm>
+      </p:grpSpPr>
       <p:sp>
         <p:nvSpPr>
           <p:cNvPr id="2" name="Rectangle 1"/>
@@ -18833,6 +18848,7 @@
           <a:lstStyle/>
           <a:p>
             <a:pPr algn="ctr"/>
+            <a:endParaRPr/>
           </a:p>
         </p:txBody>
       </p:sp>
@@ -18915,6 +18931,7 @@
           <a:lstStyle/>
           <a:p>
             <a:pPr algn="ctr"/>
+            <a:endParaRPr/>
           </a:p>
         </p:txBody>
       </p:sp>
@@ -18958,6 +18975,7 @@
           <a:lstStyle/>
           <a:p>
             <a:pPr algn="ctr"/>
+            <a:endParaRPr/>
           </a:p>
         </p:txBody>
       </p:sp>
@@ -19112,6 +19130,7 @@
           <a:lstStyle/>
           <a:p>
             <a:pPr algn="ctr"/>
+            <a:endParaRPr/>
           </a:p>
         </p:txBody>
       </p:sp>
@@ -19155,6 +19174,7 @@
           <a:lstStyle/>
           <a:p>
             <a:pPr algn="ctr"/>
+            <a:endParaRPr/>
           </a:p>
         </p:txBody>
       </p:sp>
@@ -19309,6 +19329,7 @@
           <a:lstStyle/>
           <a:p>
             <a:pPr algn="ctr"/>
+            <a:endParaRPr/>
           </a:p>
         </p:txBody>
       </p:sp>
@@ -19352,6 +19373,7 @@
           <a:lstStyle/>
           <a:p>
             <a:pPr algn="ctr"/>
+            <a:endParaRPr/>
           </a:p>
         </p:txBody>
       </p:sp>
@@ -19506,6 +19528,7 @@
           <a:lstStyle/>
           <a:p>
             <a:pPr algn="ctr"/>
+            <a:endParaRPr/>
           </a:p>
         </p:txBody>
       </p:sp>
@@ -19549,6 +19572,7 @@
           <a:lstStyle/>
           <a:p>
             <a:pPr algn="ctr"/>
+            <a:endParaRPr/>
           </a:p>
         </p:txBody>
       </p:sp>
@@ -19703,6 +19727,7 @@
           <a:lstStyle/>
           <a:p>
             <a:pPr algn="ctr"/>
+            <a:endParaRPr/>
           </a:p>
         </p:txBody>
       </p:sp>
@@ -19746,6 +19771,7 @@
           <a:lstStyle/>
           <a:p>
             <a:pPr algn="ctr"/>
+            <a:endParaRPr/>
           </a:p>
         </p:txBody>
       </p:sp>
@@ -19897,6 +19923,7 @@
           <a:lstStyle/>
           <a:p>
             <a:pPr algn="ctr"/>
+            <a:endParaRPr/>
           </a:p>
         </p:txBody>
       </p:sp>
@@ -19981,7 +20008,7 @@
 </file>
 
 <file path=ppt/slides/slide26.xml><?xml version="1.0" encoding="utf-8"?>
-<p:sld xmlns:a="http://schemas.openxmlformats.org/drawingml/2006/main" xmlns:p="http://schemas.openxmlformats.org/presentationml/2006/main" xmlns:r="http://schemas.openxmlformats.org/officeDocument/2006/relationships">
+<p:sld xmlns:a="http://schemas.openxmlformats.org/drawingml/2006/main" xmlns:r="http://schemas.openxmlformats.org/officeDocument/2006/relationships" xmlns:p="http://schemas.openxmlformats.org/presentationml/2006/main">
   <p:cSld>
     <p:bg>
       <p:bgPr>
@@ -19997,7 +20024,14 @@
         <p:cNvGrpSpPr/>
         <p:nvPr/>
       </p:nvGrpSpPr>
-      <p:grpSpPr/>
+      <p:grpSpPr>
+        <a:xfrm>
+          <a:off x="0" y="0"/>
+          <a:ext cx="0" cy="0"/>
+          <a:chOff x="0" y="0"/>
+          <a:chExt cx="0" cy="0"/>
+        </a:xfrm>
+      </p:grpSpPr>
       <p:sp>
         <p:nvSpPr>
           <p:cNvPr id="2" name="Rectangle 1"/>
@@ -20038,6 +20072,7 @@
           <a:lstStyle/>
           <a:p>
             <a:pPr algn="ctr"/>
+            <a:endParaRPr/>
           </a:p>
         </p:txBody>
       </p:sp>
@@ -20120,6 +20155,7 @@
           <a:lstStyle/>
           <a:p>
             <a:pPr algn="ctr"/>
+            <a:endParaRPr/>
           </a:p>
         </p:txBody>
       </p:sp>
@@ -20278,6 +20314,7 @@
           <a:lstStyle/>
           <a:p>
             <a:pPr algn="ctr"/>
+            <a:endParaRPr/>
           </a:p>
         </p:txBody>
       </p:sp>
@@ -20436,6 +20473,7 @@
           <a:lstStyle/>
           <a:p>
             <a:pPr algn="ctr"/>
+            <a:endParaRPr/>
           </a:p>
         </p:txBody>
       </p:sp>
@@ -20594,6 +20632,7 @@
           <a:lstStyle/>
           <a:p>
             <a:pPr algn="ctr"/>
+            <a:endParaRPr/>
           </a:p>
         </p:txBody>
       </p:sp>
@@ -20752,6 +20791,7 @@
           <a:lstStyle/>
           <a:p>
             <a:pPr algn="ctr"/>
+            <a:endParaRPr/>
           </a:p>
         </p:txBody>
       </p:sp>
@@ -20907,6 +20947,7 @@
           <a:lstStyle/>
           <a:p>
             <a:pPr algn="ctr"/>
+            <a:endParaRPr/>
           </a:p>
         </p:txBody>
       </p:sp>
@@ -20991,7 +21032,7 @@
 </file>
 
 <file path=ppt/slides/slide27.xml><?xml version="1.0" encoding="utf-8"?>
-<p:sld xmlns:a="http://schemas.openxmlformats.org/drawingml/2006/main" xmlns:p="http://schemas.openxmlformats.org/presentationml/2006/main" xmlns:r="http://schemas.openxmlformats.org/officeDocument/2006/relationships">
+<p:sld xmlns:a="http://schemas.openxmlformats.org/drawingml/2006/main" xmlns:r="http://schemas.openxmlformats.org/officeDocument/2006/relationships" xmlns:p="http://schemas.openxmlformats.org/presentationml/2006/main">
   <p:cSld>
     <p:bg>
       <p:bgPr>
@@ -21007,7 +21048,14 @@
         <p:cNvGrpSpPr/>
         <p:nvPr/>
       </p:nvGrpSpPr>
-      <p:grpSpPr/>
+      <p:grpSpPr>
+        <a:xfrm>
+          <a:off x="0" y="0"/>
+          <a:ext cx="0" cy="0"/>
+          <a:chOff x="0" y="0"/>
+          <a:chExt cx="0" cy="0"/>
+        </a:xfrm>
+      </p:grpSpPr>
       <p:sp>
         <p:nvSpPr>
           <p:cNvPr id="2" name="Rectangle 1"/>
@@ -21048,6 +21096,7 @@
           <a:lstStyle/>
           <a:p>
             <a:pPr algn="ctr"/>
+            <a:endParaRPr/>
           </a:p>
         </p:txBody>
       </p:sp>
@@ -21130,6 +21179,7 @@
           <a:lstStyle/>
           <a:p>
             <a:pPr algn="ctr"/>
+            <a:endParaRPr/>
           </a:p>
         </p:txBody>
       </p:sp>
@@ -21171,7 +21221,7 @@
           </a:fontRef>
         </p:style>
         <p:txBody>
-          <a:bodyPr rtlCol="0" anchor="ctr" wrap="none"/>
+          <a:bodyPr wrap="none" rtlCol="0" anchor="ctr"/>
           <a:lstStyle/>
           <a:p>
             <a:pPr algn="ctr">
@@ -21270,6 +21320,7 @@
           <a:lstStyle/>
           <a:p>
             <a:pPr algn="ctr"/>
+            <a:endParaRPr/>
           </a:p>
         </p:txBody>
       </p:sp>
@@ -21311,7 +21362,7 @@
           </a:fontRef>
         </p:style>
         <p:txBody>
-          <a:bodyPr rtlCol="0" anchor="ctr" wrap="none"/>
+          <a:bodyPr wrap="none" rtlCol="0" anchor="ctr"/>
           <a:lstStyle/>
           <a:p>
             <a:pPr algn="ctr">
@@ -21410,6 +21461,7 @@
           <a:lstStyle/>
           <a:p>
             <a:pPr algn="ctr"/>
+            <a:endParaRPr/>
           </a:p>
         </p:txBody>
       </p:sp>
@@ -21451,7 +21503,7 @@
           </a:fontRef>
         </p:style>
         <p:txBody>
-          <a:bodyPr rtlCol="0" anchor="ctr" wrap="none"/>
+          <a:bodyPr wrap="none" rtlCol="0" anchor="ctr"/>
           <a:lstStyle/>
           <a:p>
             <a:pPr algn="ctr">
@@ -21550,6 +21602,7 @@
           <a:lstStyle/>
           <a:p>
             <a:pPr algn="ctr"/>
+            <a:endParaRPr/>
           </a:p>
         </p:txBody>
       </p:sp>
@@ -21591,7 +21644,7 @@
           </a:fontRef>
         </p:style>
         <p:txBody>
-          <a:bodyPr rtlCol="0" anchor="ctr" wrap="none"/>
+          <a:bodyPr wrap="none" rtlCol="0" anchor="ctr"/>
           <a:lstStyle/>
           <a:p>
             <a:pPr algn="ctr">
@@ -21690,6 +21743,7 @@
           <a:lstStyle/>
           <a:p>
             <a:pPr algn="ctr"/>
+            <a:endParaRPr/>
           </a:p>
         </p:txBody>
       </p:sp>
@@ -21731,7 +21785,7 @@
           </a:fontRef>
         </p:style>
         <p:txBody>
-          <a:bodyPr rtlCol="0" anchor="ctr" wrap="none"/>
+          <a:bodyPr wrap="none" rtlCol="0" anchor="ctr"/>
           <a:lstStyle/>
           <a:p>
             <a:pPr algn="ctr">
@@ -21827,6 +21881,7 @@
           <a:lstStyle/>
           <a:p>
             <a:pPr algn="ctr"/>
+            <a:endParaRPr/>
           </a:p>
         </p:txBody>
       </p:sp>
@@ -21911,7 +21966,7 @@
 </file>
 
 <file path=ppt/slides/slide28.xml><?xml version="1.0" encoding="utf-8"?>
-<p:sld xmlns:a="http://schemas.openxmlformats.org/drawingml/2006/main" xmlns:p="http://schemas.openxmlformats.org/presentationml/2006/main" xmlns:r="http://schemas.openxmlformats.org/officeDocument/2006/relationships">
+<p:sld xmlns:a="http://schemas.openxmlformats.org/drawingml/2006/main" xmlns:r="http://schemas.openxmlformats.org/officeDocument/2006/relationships" xmlns:p="http://schemas.openxmlformats.org/presentationml/2006/main">
   <p:cSld>
     <p:bg>
       <p:bgPr>
@@ -21927,7 +21982,14 @@
         <p:cNvGrpSpPr/>
         <p:nvPr/>
       </p:nvGrpSpPr>
-      <p:grpSpPr/>
+      <p:grpSpPr>
+        <a:xfrm>
+          <a:off x="0" y="0"/>
+          <a:ext cx="0" cy="0"/>
+          <a:chOff x="0" y="0"/>
+          <a:chExt cx="0" cy="0"/>
+        </a:xfrm>
+      </p:grpSpPr>
       <p:sp>
         <p:nvSpPr>
           <p:cNvPr id="2" name="Rectangle 1"/>
@@ -21968,6 +22030,7 @@
           <a:lstStyle/>
           <a:p>
             <a:pPr algn="ctr"/>
+            <a:endParaRPr/>
           </a:p>
         </p:txBody>
       </p:sp>
@@ -22011,6 +22074,7 @@
           <a:lstStyle/>
           <a:p>
             <a:pPr algn="ctr"/>
+            <a:endParaRPr/>
           </a:p>
         </p:txBody>
       </p:sp>
@@ -22126,6 +22190,7 @@
           <a:lstStyle/>
           <a:p>
             <a:pPr algn="ctr"/>
+            <a:endParaRPr/>
           </a:p>
         </p:txBody>
       </p:sp>
@@ -22210,7 +22275,7 @@
 </file>
 
 <file path=ppt/slides/slide3.xml><?xml version="1.0" encoding="utf-8"?>
-<p:sld xmlns:a="http://schemas.openxmlformats.org/drawingml/2006/main" xmlns:p="http://schemas.openxmlformats.org/presentationml/2006/main" xmlns:r="http://schemas.openxmlformats.org/officeDocument/2006/relationships">
+<p:sld xmlns:a="http://schemas.openxmlformats.org/drawingml/2006/main" xmlns:r="http://schemas.openxmlformats.org/officeDocument/2006/relationships" xmlns:p="http://schemas.openxmlformats.org/presentationml/2006/main">
   <p:cSld>
     <p:bg>
       <p:bgPr>
@@ -22226,7 +22291,14 @@
         <p:cNvGrpSpPr/>
         <p:nvPr/>
       </p:nvGrpSpPr>
-      <p:grpSpPr/>
+      <p:grpSpPr>
+        <a:xfrm>
+          <a:off x="0" y="0"/>
+          <a:ext cx="0" cy="0"/>
+          <a:chOff x="0" y="0"/>
+          <a:chExt cx="0" cy="0"/>
+        </a:xfrm>
+      </p:grpSpPr>
       <p:sp>
         <p:nvSpPr>
           <p:cNvPr id="2" name="Rectangle 1"/>
@@ -22267,6 +22339,7 @@
           <a:lstStyle/>
           <a:p>
             <a:pPr algn="ctr"/>
+            <a:endParaRPr/>
           </a:p>
         </p:txBody>
       </p:sp>
@@ -22344,7 +22417,7 @@
           </a:fontRef>
         </p:style>
         <p:txBody>
-          <a:bodyPr rtlCol="0" anchor="ctr" wrap="none"/>
+          <a:bodyPr wrap="none" rtlCol="0" anchor="ctr"/>
           <a:lstStyle/>
           <a:p>
             <a:pPr algn="ctr">
@@ -22438,7 +22511,7 @@
           </a:fontRef>
         </p:style>
         <p:txBody>
-          <a:bodyPr rtlCol="0" anchor="ctr" wrap="none"/>
+          <a:bodyPr wrap="none" rtlCol="0" anchor="ctr"/>
           <a:lstStyle/>
           <a:p>
             <a:pPr algn="ctr">
@@ -22532,7 +22605,7 @@
           </a:fontRef>
         </p:style>
         <p:txBody>
-          <a:bodyPr rtlCol="0" anchor="ctr" wrap="none"/>
+          <a:bodyPr wrap="none" rtlCol="0" anchor="ctr"/>
           <a:lstStyle/>
           <a:p>
             <a:pPr algn="ctr">
@@ -22626,7 +22699,7 @@
           </a:fontRef>
         </p:style>
         <p:txBody>
-          <a:bodyPr rtlCol="0" anchor="ctr" wrap="none"/>
+          <a:bodyPr wrap="none" rtlCol="0" anchor="ctr"/>
           <a:lstStyle/>
           <a:p>
             <a:pPr algn="ctr">
@@ -22722,6 +22795,7 @@
           <a:lstStyle/>
           <a:p>
             <a:pPr algn="ctr"/>
+            <a:endParaRPr/>
           </a:p>
         </p:txBody>
       </p:sp>
@@ -22806,7 +22880,7 @@
 </file>
 
 <file path=ppt/slides/slide4.xml><?xml version="1.0" encoding="utf-8"?>
-<p:sld xmlns:a="http://schemas.openxmlformats.org/drawingml/2006/main" xmlns:p="http://schemas.openxmlformats.org/presentationml/2006/main" xmlns:r="http://schemas.openxmlformats.org/officeDocument/2006/relationships">
+<p:sld xmlns:a="http://schemas.openxmlformats.org/drawingml/2006/main" xmlns:r="http://schemas.openxmlformats.org/officeDocument/2006/relationships" xmlns:p="http://schemas.openxmlformats.org/presentationml/2006/main">
   <p:cSld>
     <p:bg>
       <p:bgPr>
@@ -22822,7 +22896,14 @@
         <p:cNvGrpSpPr/>
         <p:nvPr/>
       </p:nvGrpSpPr>
-      <p:grpSpPr/>
+      <p:grpSpPr>
+        <a:xfrm>
+          <a:off x="0" y="0"/>
+          <a:ext cx="0" cy="0"/>
+          <a:chOff x="0" y="0"/>
+          <a:chExt cx="0" cy="0"/>
+        </a:xfrm>
+      </p:grpSpPr>
       <p:sp>
         <p:nvSpPr>
           <p:cNvPr id="2" name="Rectangle 1"/>
@@ -22863,6 +22944,7 @@
           <a:lstStyle/>
           <a:p>
             <a:pPr algn="ctr"/>
+            <a:endParaRPr/>
           </a:p>
         </p:txBody>
       </p:sp>
@@ -22983,7 +23065,7 @@
 </file>
 
 <file path=ppt/slides/slide5.xml><?xml version="1.0" encoding="utf-8"?>
-<p:sld xmlns:a="http://schemas.openxmlformats.org/drawingml/2006/main" xmlns:p="http://schemas.openxmlformats.org/presentationml/2006/main" xmlns:r="http://schemas.openxmlformats.org/officeDocument/2006/relationships">
+<p:sld xmlns:a="http://schemas.openxmlformats.org/drawingml/2006/main" xmlns:r="http://schemas.openxmlformats.org/officeDocument/2006/relationships" xmlns:p="http://schemas.openxmlformats.org/presentationml/2006/main">
   <p:cSld>
     <p:bg>
       <p:bgPr>
@@ -22999,7 +23081,14 @@
         <p:cNvGrpSpPr/>
         <p:nvPr/>
       </p:nvGrpSpPr>
-      <p:grpSpPr/>
+      <p:grpSpPr>
+        <a:xfrm>
+          <a:off x="0" y="0"/>
+          <a:ext cx="0" cy="0"/>
+          <a:chOff x="0" y="0"/>
+          <a:chExt cx="0" cy="0"/>
+        </a:xfrm>
+      </p:grpSpPr>
       <p:sp>
         <p:nvSpPr>
           <p:cNvPr id="2" name="Rectangle 1"/>
@@ -23040,6 +23129,7 @@
           <a:lstStyle/>
           <a:p>
             <a:pPr algn="ctr"/>
+            <a:endParaRPr/>
           </a:p>
         </p:txBody>
       </p:sp>
@@ -23158,6 +23248,7 @@
           <a:lstStyle/>
           <a:p>
             <a:pPr algn="ctr"/>
+            <a:endParaRPr/>
           </a:p>
         </p:txBody>
       </p:sp>
@@ -23201,6 +23292,7 @@
           <a:lstStyle/>
           <a:p>
             <a:pPr algn="ctr"/>
+            <a:endParaRPr/>
           </a:p>
         </p:txBody>
       </p:sp>
@@ -23363,6 +23455,7 @@
           <a:lstStyle/>
           <a:p>
             <a:pPr algn="ctr"/>
+            <a:endParaRPr/>
           </a:p>
         </p:txBody>
       </p:sp>
@@ -23406,6 +23499,7 @@
           <a:lstStyle/>
           <a:p>
             <a:pPr algn="ctr"/>
+            <a:endParaRPr/>
           </a:p>
         </p:txBody>
       </p:sp>
@@ -23568,6 +23662,7 @@
           <a:lstStyle/>
           <a:p>
             <a:pPr algn="ctr"/>
+            <a:endParaRPr/>
           </a:p>
         </p:txBody>
       </p:sp>
@@ -23611,6 +23706,7 @@
           <a:lstStyle/>
           <a:p>
             <a:pPr algn="ctr"/>
+            <a:endParaRPr/>
           </a:p>
         </p:txBody>
       </p:sp>
@@ -23773,6 +23869,7 @@
           <a:lstStyle/>
           <a:p>
             <a:pPr algn="ctr"/>
+            <a:endParaRPr/>
           </a:p>
         </p:txBody>
       </p:sp>
@@ -23816,6 +23913,7 @@
           <a:lstStyle/>
           <a:p>
             <a:pPr algn="ctr"/>
+            <a:endParaRPr/>
           </a:p>
         </p:txBody>
       </p:sp>
@@ -23977,6 +24075,7 @@
           <a:lstStyle/>
           <a:p>
             <a:pPr algn="ctr"/>
+            <a:endParaRPr/>
           </a:p>
         </p:txBody>
       </p:sp>
@@ -24056,6 +24155,7 @@
           <a:lstStyle/>
           <a:p>
             <a:pPr algn="ctr"/>
+            <a:endParaRPr/>
           </a:p>
         </p:txBody>
       </p:sp>
@@ -24140,7 +24240,7 @@
 </file>
 
 <file path=ppt/slides/slide6.xml><?xml version="1.0" encoding="utf-8"?>
-<p:sld xmlns:a="http://schemas.openxmlformats.org/drawingml/2006/main" xmlns:p="http://schemas.openxmlformats.org/presentationml/2006/main" xmlns:r="http://schemas.openxmlformats.org/officeDocument/2006/relationships">
+<p:sld xmlns:a="http://schemas.openxmlformats.org/drawingml/2006/main" xmlns:r="http://schemas.openxmlformats.org/officeDocument/2006/relationships" xmlns:p="http://schemas.openxmlformats.org/presentationml/2006/main">
   <p:cSld>
     <p:bg>
       <p:bgPr>
@@ -24156,7 +24256,14 @@
         <p:cNvGrpSpPr/>
         <p:nvPr/>
       </p:nvGrpSpPr>
-      <p:grpSpPr/>
+      <p:grpSpPr>
+        <a:xfrm>
+          <a:off x="0" y="0"/>
+          <a:ext cx="0" cy="0"/>
+          <a:chOff x="0" y="0"/>
+          <a:chExt cx="0" cy="0"/>
+        </a:xfrm>
+      </p:grpSpPr>
       <p:sp>
         <p:nvSpPr>
           <p:cNvPr id="2" name="Rectangle 1"/>
@@ -24197,6 +24304,7 @@
           <a:lstStyle/>
           <a:p>
             <a:pPr algn="ctr"/>
+            <a:endParaRPr/>
           </a:p>
         </p:txBody>
       </p:sp>
@@ -24317,7 +24425,7 @@
 </file>
 
 <file path=ppt/slides/slide7.xml><?xml version="1.0" encoding="utf-8"?>
-<p:sld xmlns:a="http://schemas.openxmlformats.org/drawingml/2006/main" xmlns:p="http://schemas.openxmlformats.org/presentationml/2006/main" xmlns:r="http://schemas.openxmlformats.org/officeDocument/2006/relationships">
+<p:sld xmlns:a="http://schemas.openxmlformats.org/drawingml/2006/main" xmlns:r="http://schemas.openxmlformats.org/officeDocument/2006/relationships" xmlns:p="http://schemas.openxmlformats.org/presentationml/2006/main">
   <p:cSld>
     <p:bg>
       <p:bgPr>
@@ -24333,7 +24441,14 @@
         <p:cNvGrpSpPr/>
         <p:nvPr/>
       </p:nvGrpSpPr>
-      <p:grpSpPr/>
+      <p:grpSpPr>
+        <a:xfrm>
+          <a:off x="0" y="0"/>
+          <a:ext cx="0" cy="0"/>
+          <a:chOff x="0" y="0"/>
+          <a:chExt cx="0" cy="0"/>
+        </a:xfrm>
+      </p:grpSpPr>
       <p:sp>
         <p:nvSpPr>
           <p:cNvPr id="2" name="Rectangle 1"/>
@@ -24374,6 +24489,7 @@
           <a:lstStyle/>
           <a:p>
             <a:pPr algn="ctr"/>
+            <a:endParaRPr/>
           </a:p>
         </p:txBody>
       </p:sp>
@@ -24492,6 +24608,7 @@
           <a:lstStyle/>
           <a:p>
             <a:pPr algn="ctr"/>
+            <a:endParaRPr/>
           </a:p>
         </p:txBody>
       </p:sp>
@@ -24535,6 +24652,7 @@
           <a:lstStyle/>
           <a:p>
             <a:pPr algn="ctr"/>
+            <a:endParaRPr/>
           </a:p>
         </p:txBody>
       </p:sp>
@@ -24720,6 +24838,7 @@
           <a:lstStyle/>
           <a:p>
             <a:pPr algn="ctr"/>
+            <a:endParaRPr/>
           </a:p>
         </p:txBody>
       </p:sp>
@@ -24763,6 +24882,7 @@
           <a:lstStyle/>
           <a:p>
             <a:pPr algn="ctr"/>
+            <a:endParaRPr/>
           </a:p>
         </p:txBody>
       </p:sp>
@@ -24947,6 +25067,7 @@
           <a:lstStyle/>
           <a:p>
             <a:pPr algn="ctr"/>
+            <a:endParaRPr/>
           </a:p>
         </p:txBody>
       </p:sp>
@@ -25026,6 +25147,7 @@
           <a:lstStyle/>
           <a:p>
             <a:pPr algn="ctr"/>
+            <a:endParaRPr/>
           </a:p>
         </p:txBody>
       </p:sp>
@@ -25110,7 +25232,7 @@
 </file>
 
 <file path=ppt/slides/slide8.xml><?xml version="1.0" encoding="utf-8"?>
-<p:sld xmlns:a="http://schemas.openxmlformats.org/drawingml/2006/main" xmlns:p="http://schemas.openxmlformats.org/presentationml/2006/main" xmlns:r="http://schemas.openxmlformats.org/officeDocument/2006/relationships">
+<p:sld xmlns:a="http://schemas.openxmlformats.org/drawingml/2006/main" xmlns:r="http://schemas.openxmlformats.org/officeDocument/2006/relationships" xmlns:p="http://schemas.openxmlformats.org/presentationml/2006/main">
   <p:cSld>
     <p:bg>
       <p:bgPr>
@@ -25126,7 +25248,14 @@
         <p:cNvGrpSpPr/>
         <p:nvPr/>
       </p:nvGrpSpPr>
-      <p:grpSpPr/>
+      <p:grpSpPr>
+        <a:xfrm>
+          <a:off x="0" y="0"/>
+          <a:ext cx="0" cy="0"/>
+          <a:chOff x="0" y="0"/>
+          <a:chExt cx="0" cy="0"/>
+        </a:xfrm>
+      </p:grpSpPr>
       <p:sp>
         <p:nvSpPr>
           <p:cNvPr id="2" name="Rectangle 1"/>
@@ -25167,6 +25296,7 @@
           <a:lstStyle/>
           <a:p>
             <a:pPr algn="ctr"/>
+            <a:endParaRPr/>
           </a:p>
         </p:txBody>
       </p:sp>
@@ -25249,6 +25379,7 @@
           <a:lstStyle/>
           <a:p>
             <a:pPr algn="ctr"/>
+            <a:endParaRPr/>
           </a:p>
         </p:txBody>
       </p:sp>
@@ -25292,6 +25423,7 @@
           <a:lstStyle/>
           <a:p>
             <a:pPr algn="ctr"/>
+            <a:endParaRPr/>
           </a:p>
         </p:txBody>
       </p:sp>
@@ -25414,6 +25546,7 @@
           <a:lstStyle/>
           <a:p>
             <a:pPr algn="ctr"/>
+            <a:endParaRPr/>
           </a:p>
         </p:txBody>
       </p:sp>
@@ -25457,6 +25590,7 @@
           <a:lstStyle/>
           <a:p>
             <a:pPr algn="ctr"/>
+            <a:endParaRPr/>
           </a:p>
         </p:txBody>
       </p:sp>
@@ -25579,6 +25713,7 @@
           <a:lstStyle/>
           <a:p>
             <a:pPr algn="ctr"/>
+            <a:endParaRPr/>
           </a:p>
         </p:txBody>
       </p:sp>
@@ -25622,6 +25757,7 @@
           <a:lstStyle/>
           <a:p>
             <a:pPr algn="ctr"/>
+            <a:endParaRPr/>
           </a:p>
         </p:txBody>
       </p:sp>
@@ -25744,6 +25880,7 @@
           <a:lstStyle/>
           <a:p>
             <a:pPr algn="ctr"/>
+            <a:endParaRPr/>
           </a:p>
         </p:txBody>
       </p:sp>
@@ -25787,6 +25924,7 @@
           <a:lstStyle/>
           <a:p>
             <a:pPr algn="ctr"/>
+            <a:endParaRPr/>
           </a:p>
         </p:txBody>
       </p:sp>
@@ -25909,6 +26047,7 @@
           <a:lstStyle/>
           <a:p>
             <a:pPr algn="ctr"/>
+            <a:endParaRPr/>
           </a:p>
         </p:txBody>
       </p:sp>
@@ -25952,6 +26091,7 @@
           <a:lstStyle/>
           <a:p>
             <a:pPr algn="ctr"/>
+            <a:endParaRPr/>
           </a:p>
         </p:txBody>
       </p:sp>
@@ -26074,6 +26214,7 @@
           <a:lstStyle/>
           <a:p>
             <a:pPr algn="ctr"/>
+            <a:endParaRPr/>
           </a:p>
         </p:txBody>
       </p:sp>
@@ -26117,6 +26258,7 @@
           <a:lstStyle/>
           <a:p>
             <a:pPr algn="ctr"/>
+            <a:endParaRPr/>
           </a:p>
         </p:txBody>
       </p:sp>
@@ -26236,6 +26378,7 @@
           <a:lstStyle/>
           <a:p>
             <a:pPr algn="ctr"/>
+            <a:endParaRPr/>
           </a:p>
         </p:txBody>
       </p:sp>
@@ -26320,7 +26463,7 @@
 </file>
 
 <file path=ppt/slides/slide9.xml><?xml version="1.0" encoding="utf-8"?>
-<p:sld xmlns:a="http://schemas.openxmlformats.org/drawingml/2006/main" xmlns:p="http://schemas.openxmlformats.org/presentationml/2006/main" xmlns:r="http://schemas.openxmlformats.org/officeDocument/2006/relationships">
+<p:sld xmlns:a="http://schemas.openxmlformats.org/drawingml/2006/main" xmlns:r="http://schemas.openxmlformats.org/officeDocument/2006/relationships" xmlns:p="http://schemas.openxmlformats.org/presentationml/2006/main">
   <p:cSld>
     <p:bg>
       <p:bgPr>
@@ -26336,7 +26479,14 @@
         <p:cNvGrpSpPr/>
         <p:nvPr/>
       </p:nvGrpSpPr>
-      <p:grpSpPr/>
+      <p:grpSpPr>
+        <a:xfrm>
+          <a:off x="0" y="0"/>
+          <a:ext cx="0" cy="0"/>
+          <a:chOff x="0" y="0"/>
+          <a:chExt cx="0" cy="0"/>
+        </a:xfrm>
+      </p:grpSpPr>
       <p:sp>
         <p:nvSpPr>
           <p:cNvPr id="2" name="Rectangle 1"/>
@@ -26377,6 +26527,7 @@
           <a:lstStyle/>
           <a:p>
             <a:pPr algn="ctr"/>
+            <a:endParaRPr/>
           </a:p>
         </p:txBody>
       </p:sp>
@@ -26459,6 +26610,7 @@
           <a:lstStyle/>
           <a:p>
             <a:pPr algn="ctr"/>
+            <a:endParaRPr/>
           </a:p>
         </p:txBody>
       </p:sp>
@@ -26502,6 +26654,7 @@
           <a:lstStyle/>
           <a:p>
             <a:pPr algn="ctr"/>
+            <a:endParaRPr/>
           </a:p>
         </p:txBody>
       </p:sp>
@@ -26696,6 +26849,7 @@
           <a:lstStyle/>
           <a:p>
             <a:pPr algn="ctr"/>
+            <a:endParaRPr/>
           </a:p>
         </p:txBody>
       </p:sp>
@@ -26739,6 +26893,7 @@
           <a:lstStyle/>
           <a:p>
             <a:pPr algn="ctr"/>
+            <a:endParaRPr/>
           </a:p>
         </p:txBody>
       </p:sp>
@@ -26933,6 +27088,7 @@
           <a:lstStyle/>
           <a:p>
             <a:pPr algn="ctr"/>
+            <a:endParaRPr/>
           </a:p>
         </p:txBody>
       </p:sp>
@@ -26976,6 +27132,7 @@
           <a:lstStyle/>
           <a:p>
             <a:pPr algn="ctr"/>
+            <a:endParaRPr/>
           </a:p>
         </p:txBody>
       </p:sp>
@@ -27170,6 +27327,7 @@
           <a:lstStyle/>
           <a:p>
             <a:pPr algn="ctr"/>
+            <a:endParaRPr/>
           </a:p>
         </p:txBody>
       </p:sp>
@@ -27213,6 +27371,7 @@
           <a:lstStyle/>
           <a:p>
             <a:pPr algn="ctr"/>
+            <a:endParaRPr/>
           </a:p>
         </p:txBody>
       </p:sp>
@@ -27404,6 +27563,7 @@
           <a:lstStyle/>
           <a:p>
             <a:pPr algn="ctr"/>
+            <a:endParaRPr/>
           </a:p>
         </p:txBody>
       </p:sp>
@@ -27818,44 +27978,44 @@
         <a:sysClr val="window" lastClr="FFFFFF"/>
       </a:lt1>
       <a:dk2>
-        <a:srgbClr val="1F497D"/>
+        <a:srgbClr val="0E2841"/>
       </a:dk2>
       <a:lt2>
-        <a:srgbClr val="EEECE1"/>
+        <a:srgbClr val="E8E8E8"/>
       </a:lt2>
       <a:accent1>
-        <a:srgbClr val="4F81BD"/>
+        <a:srgbClr val="156082"/>
       </a:accent1>
       <a:accent2>
-        <a:srgbClr val="C0504D"/>
+        <a:srgbClr val="E97132"/>
       </a:accent2>
       <a:accent3>
-        <a:srgbClr val="9BBB59"/>
+        <a:srgbClr val="196B24"/>
       </a:accent3>
       <a:accent4>
-        <a:srgbClr val="8064A2"/>
+        <a:srgbClr val="0F9ED5"/>
       </a:accent4>
       <a:accent5>
-        <a:srgbClr val="4BACC6"/>
+        <a:srgbClr val="A02B93"/>
       </a:accent5>
       <a:accent6>
-        <a:srgbClr val="F79646"/>
+        <a:srgbClr val="4EA72E"/>
       </a:accent6>
       <a:hlink>
-        <a:srgbClr val="0000FF"/>
+        <a:srgbClr val="467886"/>
       </a:hlink>
       <a:folHlink>
-        <a:srgbClr val="800080"/>
+        <a:srgbClr val="96607D"/>
       </a:folHlink>
     </a:clrScheme>
     <a:fontScheme name="Office">
       <a:majorFont>
-        <a:latin typeface="Calibri"/>
+        <a:latin typeface="Aptos Display" panose="02110004020202020204"/>
         <a:ea typeface=""/>
         <a:cs typeface=""/>
-        <a:font script="Jpan" typeface="ＭＳ Ｐゴシック"/>
+        <a:font script="Jpan" typeface="游ゴシック Light"/>
         <a:font script="Hang" typeface="맑은 고딕"/>
-        <a:font script="Hans" typeface="宋体"/>
+        <a:font script="Hans" typeface="等线 Light"/>
         <a:font script="Hant" typeface="新細明體"/>
         <a:font script="Arab" typeface="Times New Roman"/>
         <a:font script="Hebr" typeface="Times New Roman"/>
@@ -27883,14 +28043,31 @@
         <a:font script="Viet" typeface="Times New Roman"/>
         <a:font script="Uigh" typeface="Microsoft Uighur"/>
         <a:font script="Geor" typeface="Sylfaen"/>
+        <a:font script="Armn" typeface="Arial"/>
+        <a:font script="Bugi" typeface="Leelawadee UI"/>
+        <a:font script="Bopo" typeface="Microsoft JhengHei"/>
+        <a:font script="Java" typeface="Javanese Text"/>
+        <a:font script="Lisu" typeface="Segoe UI"/>
+        <a:font script="Mymr" typeface="Myanmar Text"/>
+        <a:font script="Nkoo" typeface="Ebrima"/>
+        <a:font script="Olck" typeface="Nirmala UI"/>
+        <a:font script="Osma" typeface="Ebrima"/>
+        <a:font script="Phag" typeface="Phagspa"/>
+        <a:font script="Syrn" typeface="Estrangelo Edessa"/>
+        <a:font script="Syrj" typeface="Estrangelo Edessa"/>
+        <a:font script="Syre" typeface="Estrangelo Edessa"/>
+        <a:font script="Sora" typeface="Nirmala UI"/>
+        <a:font script="Tale" typeface="Microsoft Tai Le"/>
+        <a:font script="Talu" typeface="Microsoft New Tai Lue"/>
+        <a:font script="Tfng" typeface="Ebrima"/>
       </a:majorFont>
       <a:minorFont>
-        <a:latin typeface="Calibri"/>
+        <a:latin typeface="Aptos" panose="02110004020202020204"/>
         <a:ea typeface=""/>
         <a:cs typeface=""/>
-        <a:font script="Jpan" typeface="ＭＳ Ｐゴシック"/>
+        <a:font script="Jpan" typeface="游ゴシック"/>
         <a:font script="Hang" typeface="맑은 고딕"/>
-        <a:font script="Hans" typeface="宋体"/>
+        <a:font script="Hans" typeface="等线"/>
         <a:font script="Hant" typeface="新細明體"/>
         <a:font script="Arab" typeface="Arial"/>
         <a:font script="Hebr" typeface="Arial"/>
@@ -27918,6 +28095,23 @@
         <a:font script="Viet" typeface="Arial"/>
         <a:font script="Uigh" typeface="Microsoft Uighur"/>
         <a:font script="Geor" typeface="Sylfaen"/>
+        <a:font script="Armn" typeface="Arial"/>
+        <a:font script="Bugi" typeface="Leelawadee UI"/>
+        <a:font script="Bopo" typeface="Microsoft JhengHei"/>
+        <a:font script="Java" typeface="Javanese Text"/>
+        <a:font script="Lisu" typeface="Segoe UI"/>
+        <a:font script="Mymr" typeface="Myanmar Text"/>
+        <a:font script="Nkoo" typeface="Ebrima"/>
+        <a:font script="Olck" typeface="Nirmala UI"/>
+        <a:font script="Osma" typeface="Ebrima"/>
+        <a:font script="Phag" typeface="Phagspa"/>
+        <a:font script="Syrn" typeface="Estrangelo Edessa"/>
+        <a:font script="Syrj" typeface="Estrangelo Edessa"/>
+        <a:font script="Syre" typeface="Estrangelo Edessa"/>
+        <a:font script="Sora" typeface="Nirmala UI"/>
+        <a:font script="Tale" typeface="Microsoft Tai Le"/>
+        <a:font script="Talu" typeface="Microsoft New Tai Lue"/>
+        <a:font script="Tfng" typeface="Ebrima"/>
       </a:minorFont>
     </a:fontScheme>
     <a:fmtScheme name="Office">
@@ -27929,180 +28123,136 @@
           <a:gsLst>
             <a:gs pos="0">
               <a:schemeClr val="phClr">
-                <a:tint val="50000"/>
-                <a:satMod val="300000"/>
+                <a:lumMod val="110000"/>
+                <a:satMod val="105000"/>
+                <a:tint val="67000"/>
               </a:schemeClr>
             </a:gs>
-            <a:gs pos="35000">
+            <a:gs pos="50000">
               <a:schemeClr val="phClr">
-                <a:tint val="37000"/>
-                <a:satMod val="300000"/>
+                <a:lumMod val="105000"/>
+                <a:satMod val="103000"/>
+                <a:tint val="73000"/>
               </a:schemeClr>
             </a:gs>
             <a:gs pos="100000">
               <a:schemeClr val="phClr">
-                <a:tint val="15000"/>
-                <a:satMod val="350000"/>
+                <a:lumMod val="105000"/>
+                <a:satMod val="109000"/>
+                <a:tint val="81000"/>
               </a:schemeClr>
             </a:gs>
           </a:gsLst>
-          <a:lin ang="16200000" scaled="1"/>
+          <a:lin ang="5400000" scaled="0"/>
         </a:gradFill>
         <a:gradFill rotWithShape="1">
           <a:gsLst>
             <a:gs pos="0">
               <a:schemeClr val="phClr">
-                <a:tint val="100000"/>
+                <a:satMod val="103000"/>
+                <a:lumMod val="102000"/>
+                <a:tint val="94000"/>
+              </a:schemeClr>
+            </a:gs>
+            <a:gs pos="50000">
+              <a:schemeClr val="phClr">
+                <a:satMod val="110000"/>
+                <a:lumMod val="100000"/>
                 <a:shade val="100000"/>
-                <a:satMod val="130000"/>
               </a:schemeClr>
             </a:gs>
             <a:gs pos="100000">
               <a:schemeClr val="phClr">
-                <a:tint val="50000"/>
-                <a:shade val="100000"/>
-                <a:satMod val="350000"/>
+                <a:lumMod val="99000"/>
+                <a:satMod val="120000"/>
+                <a:shade val="78000"/>
               </a:schemeClr>
             </a:gs>
           </a:gsLst>
-          <a:lin ang="16200000" scaled="0"/>
+          <a:lin ang="5400000" scaled="0"/>
         </a:gradFill>
       </a:fillStyleLst>
       <a:lnStyleLst>
-        <a:ln w="9525" cap="flat" cmpd="sng" algn="ctr">
+        <a:ln w="12700" cap="flat" cmpd="sng" algn="ctr">
           <a:solidFill>
-            <a:schemeClr val="phClr">
-              <a:shade val="95000"/>
-              <a:satMod val="105000"/>
-            </a:schemeClr>
+            <a:schemeClr val="phClr"/>
           </a:solidFill>
           <a:prstDash val="solid"/>
+          <a:miter lim="800000"/>
+        </a:ln>
+        <a:ln w="19050" cap="flat" cmpd="sng" algn="ctr">
+          <a:solidFill>
+            <a:schemeClr val="phClr"/>
+          </a:solidFill>
+          <a:prstDash val="solid"/>
+          <a:miter lim="800000"/>
         </a:ln>
         <a:ln w="25400" cap="flat" cmpd="sng" algn="ctr">
           <a:solidFill>
             <a:schemeClr val="phClr"/>
           </a:solidFill>
           <a:prstDash val="solid"/>
-        </a:ln>
-        <a:ln w="38100" cap="flat" cmpd="sng" algn="ctr">
-          <a:solidFill>
-            <a:schemeClr val="phClr"/>
-          </a:solidFill>
-          <a:prstDash val="solid"/>
+          <a:miter lim="800000"/>
         </a:ln>
       </a:lnStyleLst>
       <a:effectStyleLst>
         <a:effectStyle>
+          <a:effectLst/>
+        </a:effectStyle>
+        <a:effectStyle>
+          <a:effectLst/>
+        </a:effectStyle>
+        <a:effectStyle>
           <a:effectLst>
-            <a:outerShdw blurRad="40000" dist="20000" dir="5400000" rotWithShape="0">
+            <a:outerShdw blurRad="57150" dist="19050" dir="5400000" algn="ctr" rotWithShape="0">
               <a:srgbClr val="000000">
-                <a:alpha val="38000"/>
+                <a:alpha val="63000"/>
               </a:srgbClr>
             </a:outerShdw>
           </a:effectLst>
-        </a:effectStyle>
-        <a:effectStyle>
-          <a:effectLst>
-            <a:outerShdw blurRad="40000" dist="23000" dir="5400000" rotWithShape="0">
-              <a:srgbClr val="000000">
-                <a:alpha val="35000"/>
-              </a:srgbClr>
-            </a:outerShdw>
-          </a:effectLst>
-        </a:effectStyle>
-        <a:effectStyle>
-          <a:effectLst>
-            <a:outerShdw blurRad="40000" dist="23000" dir="5400000" rotWithShape="0">
-              <a:srgbClr val="000000">
-                <a:alpha val="35000"/>
-              </a:srgbClr>
-            </a:outerShdw>
-          </a:effectLst>
-          <a:scene3d>
-            <a:camera prst="orthographicFront">
-              <a:rot lat="0" lon="0" rev="0"/>
-            </a:camera>
-            <a:lightRig rig="threePt" dir="t">
-              <a:rot lat="0" lon="0" rev="1200000"/>
-            </a:lightRig>
-          </a:scene3d>
-          <a:sp3d>
-            <a:bevelT w="63500" h="25400"/>
-          </a:sp3d>
         </a:effectStyle>
       </a:effectStyleLst>
       <a:bgFillStyleLst>
         <a:solidFill>
           <a:schemeClr val="phClr"/>
         </a:solidFill>
+        <a:solidFill>
+          <a:schemeClr val="phClr">
+            <a:tint val="95000"/>
+            <a:satMod val="170000"/>
+          </a:schemeClr>
+        </a:solidFill>
         <a:gradFill rotWithShape="1">
           <a:gsLst>
             <a:gs pos="0">
               <a:schemeClr val="phClr">
-                <a:tint val="40000"/>
-                <a:satMod val="350000"/>
+                <a:tint val="93000"/>
+                <a:satMod val="150000"/>
+                <a:shade val="98000"/>
+                <a:lumMod val="102000"/>
               </a:schemeClr>
             </a:gs>
-            <a:gs pos="40000">
+            <a:gs pos="50000">
               <a:schemeClr val="phClr">
-                <a:tint val="45000"/>
-                <a:shade val="99000"/>
-                <a:satMod val="350000"/>
+                <a:tint val="98000"/>
+                <a:satMod val="130000"/>
+                <a:shade val="90000"/>
+                <a:lumMod val="103000"/>
               </a:schemeClr>
             </a:gs>
             <a:gs pos="100000">
               <a:schemeClr val="phClr">
-                <a:shade val="20000"/>
-                <a:satMod val="255000"/>
+                <a:shade val="63000"/>
+                <a:satMod val="120000"/>
               </a:schemeClr>
             </a:gs>
           </a:gsLst>
-          <a:path path="circle">
-            <a:fillToRect l="50000" t="-80000" r="50000" b="180000"/>
-          </a:path>
-        </a:gradFill>
-        <a:gradFill rotWithShape="1">
-          <a:gsLst>
-            <a:gs pos="0">
-              <a:schemeClr val="phClr">
-                <a:tint val="80000"/>
-                <a:satMod val="300000"/>
-              </a:schemeClr>
-            </a:gs>
-            <a:gs pos="100000">
-              <a:schemeClr val="phClr">
-                <a:shade val="30000"/>
-                <a:satMod val="200000"/>
-              </a:schemeClr>
-            </a:gs>
-          </a:gsLst>
-          <a:path path="circle">
-            <a:fillToRect l="50000" t="50000" r="50000" b="50000"/>
-          </a:path>
+          <a:lin ang="5400000" scaled="0"/>
         </a:gradFill>
       </a:bgFillStyleLst>
     </a:fmtScheme>
   </a:themeElements>
   <a:objectDefaults>
-    <a:spDef>
-      <a:spPr/>
-      <a:bodyPr/>
-      <a:lstStyle/>
-      <a:style>
-        <a:lnRef idx="1">
-          <a:schemeClr val="accent1"/>
-        </a:lnRef>
-        <a:fillRef idx="3">
-          <a:schemeClr val="accent1"/>
-        </a:fillRef>
-        <a:effectRef idx="2">
-          <a:schemeClr val="accent1"/>
-        </a:effectRef>
-        <a:fontRef idx="minor">
-          <a:schemeClr val="lt1"/>
-        </a:fontRef>
-      </a:style>
-    </a:spDef>
     <a:lnDef>
       <a:spPr/>
       <a:bodyPr/>
@@ -28124,5 +28274,10 @@
     </a:lnDef>
   </a:objectDefaults>
   <a:extraClrSchemeLst/>
+  <a:extLst>
+    <a:ext uri="{05A4C25C-085E-4340-85A3-A5531E510DB2}">
+      <thm15:themeFamily xmlns:thm15="http://schemas.microsoft.com/office/thememl/2012/main" name="Office Theme" id="{2E142A2C-CD16-42D6-873A-C26D2A0506FA}" vid="{1BDDFF52-6CD6-40A5-AB3C-68EB2F1E4D0A}"/>
+    </a:ext>
+  </a:extLst>
 </a:theme>
 </file>